--- a/Fundamentos de Machine Learning/2. Árboles de decisión.pptx
+++ b/Fundamentos de Machine Learning/2. Árboles de decisión.pptx
@@ -5,7 +5,7 @@
     <p:sldMasterId id="2147483648" r:id="rId1"/>
   </p:sldMasterIdLst>
   <p:notesMasterIdLst>
-    <p:notesMasterId r:id="rId46"/>
+    <p:notesMasterId r:id="rId41"/>
   </p:notesMasterIdLst>
   <p:sldIdLst>
     <p:sldId id="299" r:id="rId2"/>
@@ -43,15 +43,10 @@
     <p:sldId id="288" r:id="rId34"/>
     <p:sldId id="289" r:id="rId35"/>
     <p:sldId id="290" r:id="rId36"/>
-    <p:sldId id="291" r:id="rId37"/>
-    <p:sldId id="292" r:id="rId38"/>
-    <p:sldId id="293" r:id="rId39"/>
-    <p:sldId id="294" r:id="rId40"/>
-    <p:sldId id="295" r:id="rId41"/>
-    <p:sldId id="302" r:id="rId42"/>
-    <p:sldId id="296" r:id="rId43"/>
-    <p:sldId id="297" r:id="rId44"/>
-    <p:sldId id="298" r:id="rId45"/>
+    <p:sldId id="302" r:id="rId37"/>
+    <p:sldId id="296" r:id="rId38"/>
+    <p:sldId id="297" r:id="rId39"/>
+    <p:sldId id="298" r:id="rId40"/>
   </p:sldIdLst>
   <p:sldSz cx="9144000" cy="5143500" type="screen16x9"/>
   <p:notesSz cx="6858000" cy="9144000"/>
@@ -4434,7 +4429,7 @@
   <p:cSld>
     <p:spTree>
       <p:nvGrpSpPr>
-        <p:cNvPr id="1" name="Shape 617"/>
+        <p:cNvPr id="1" name="Shape 658"/>
         <p:cNvGrpSpPr/>
         <p:nvPr/>
       </p:nvGrpSpPr>
@@ -4448,7 +4443,7 @@
       </p:grpSpPr>
       <p:sp>
         <p:nvSpPr>
-          <p:cNvPr id="618" name="Google Shape;618;g5e4a07c9b3_1_47:notes"/>
+          <p:cNvPr id="659" name="Google Shape;659;p59:notes"/>
           <p:cNvSpPr>
             <a:spLocks noGrp="1" noRot="1" noChangeAspect="1"/>
           </p:cNvSpPr>
@@ -4499,7 +4494,7 @@
       </p:sp>
       <p:sp>
         <p:nvSpPr>
-          <p:cNvPr id="619" name="Google Shape;619;g5e4a07c9b3_1_47:notes"/>
+          <p:cNvPr id="660" name="Google Shape;660;p59:notes"/>
           <p:cNvSpPr txBox="1">
             <a:spLocks noGrp="1"/>
           </p:cNvSpPr>
@@ -4544,6 +4539,11 @@
         </p:txBody>
       </p:sp>
     </p:spTree>
+    <p:extLst>
+      <p:ext uri="{BB962C8B-B14F-4D97-AF65-F5344CB8AC3E}">
+        <p14:creationId xmlns:p14="http://schemas.microsoft.com/office/powerpoint/2010/main" val="2251458554"/>
+      </p:ext>
+    </p:extLst>
   </p:cSld>
   <p:clrMapOvr>
     <a:masterClrMapping/>
@@ -4556,7 +4556,7 @@
   <p:cSld>
     <p:spTree>
       <p:nvGrpSpPr>
-        <p:cNvPr id="1" name="Shape 622"/>
+        <p:cNvPr id="1" name="Shape 646"/>
         <p:cNvGrpSpPr/>
         <p:nvPr/>
       </p:nvGrpSpPr>
@@ -4570,7 +4570,7 @@
       </p:grpSpPr>
       <p:sp>
         <p:nvSpPr>
-          <p:cNvPr id="623" name="Google Shape;623;p34:notes"/>
+          <p:cNvPr id="647" name="Google Shape;647;g5e4a07c9b3_1_128:notes"/>
           <p:cNvSpPr>
             <a:spLocks noGrp="1" noRot="1" noChangeAspect="1"/>
           </p:cNvSpPr>
@@ -4621,7 +4621,7 @@
       </p:sp>
       <p:sp>
         <p:nvSpPr>
-          <p:cNvPr id="624" name="Google Shape;624;p34:notes"/>
+          <p:cNvPr id="648" name="Google Shape;648;g5e4a07c9b3_1_128:notes"/>
           <p:cNvSpPr txBox="1">
             <a:spLocks noGrp="1"/>
           </p:cNvSpPr>
@@ -4678,7 +4678,7 @@
   <p:cSld>
     <p:spTree>
       <p:nvGrpSpPr>
-        <p:cNvPr id="1" name="Shape 628"/>
+        <p:cNvPr id="1" name="Shape 652"/>
         <p:cNvGrpSpPr/>
         <p:nvPr/>
       </p:nvGrpSpPr>
@@ -4692,7 +4692,7 @@
       </p:grpSpPr>
       <p:sp>
         <p:nvSpPr>
-          <p:cNvPr id="629" name="Google Shape;629;p35:notes"/>
+          <p:cNvPr id="653" name="Google Shape;653;p58:notes"/>
           <p:cNvSpPr>
             <a:spLocks noGrp="1" noRot="1" noChangeAspect="1"/>
           </p:cNvSpPr>
@@ -4743,7 +4743,7 @@
       </p:sp>
       <p:sp>
         <p:nvSpPr>
-          <p:cNvPr id="630" name="Google Shape;630;p35:notes"/>
+          <p:cNvPr id="654" name="Google Shape;654;p58:notes"/>
           <p:cNvSpPr txBox="1">
             <a:spLocks noGrp="1"/>
           </p:cNvSpPr>
@@ -4800,7 +4800,7 @@
   <p:cSld>
     <p:spTree>
       <p:nvGrpSpPr>
-        <p:cNvPr id="1" name="Shape 634"/>
+        <p:cNvPr id="1" name="Shape 658"/>
         <p:cNvGrpSpPr/>
         <p:nvPr/>
       </p:nvGrpSpPr>
@@ -4814,7 +4814,7 @@
       </p:grpSpPr>
       <p:sp>
         <p:nvSpPr>
-          <p:cNvPr id="635" name="Google Shape;635;p36:notes"/>
+          <p:cNvPr id="659" name="Google Shape;659;p59:notes"/>
           <p:cNvSpPr>
             <a:spLocks noGrp="1" noRot="1" noChangeAspect="1"/>
           </p:cNvSpPr>
@@ -4865,7 +4865,7 @@
       </p:sp>
       <p:sp>
         <p:nvSpPr>
-          <p:cNvPr id="636" name="Google Shape;636;p36:notes"/>
+          <p:cNvPr id="660" name="Google Shape;660;p59:notes"/>
           <p:cNvSpPr txBox="1">
             <a:spLocks noGrp="1"/>
           </p:cNvSpPr>
@@ -4988,621 +4988,6 @@
       <p:sp>
         <p:nvSpPr>
           <p:cNvPr id="101" name="Google Shape;101;p4:notes"/>
-          <p:cNvSpPr txBox="1">
-            <a:spLocks noGrp="1"/>
-          </p:cNvSpPr>
-          <p:nvPr>
-            <p:ph type="body" idx="1"/>
-          </p:nvPr>
-        </p:nvSpPr>
-        <p:spPr>
-          <a:xfrm>
-            <a:off x="685800" y="4343400"/>
-            <a:ext cx="5486400" cy="4114800"/>
-          </a:xfrm>
-          <a:prstGeom prst="rect">
-            <a:avLst/>
-          </a:prstGeom>
-          <a:noFill/>
-          <a:ln>
-            <a:noFill/>
-          </a:ln>
-        </p:spPr>
-        <p:txBody>
-          <a:bodyPr spcFirstLastPara="1" wrap="square" lIns="91425" tIns="91425" rIns="91425" bIns="91425" anchor="t" anchorCtr="0">
-            <a:noAutofit/>
-          </a:bodyPr>
-          <a:lstStyle/>
-          <a:p>
-            <a:pPr marL="0" lvl="0" indent="0" algn="l" rtl="0">
-              <a:lnSpc>
-                <a:spcPct val="100000"/>
-              </a:lnSpc>
-              <a:spcBef>
-                <a:spcPts val="0"/>
-              </a:spcBef>
-              <a:spcAft>
-                <a:spcPts val="0"/>
-              </a:spcAft>
-              <a:buSzPts val="1100"/>
-              <a:buNone/>
-            </a:pPr>
-            <a:endParaRPr/>
-          </a:p>
-        </p:txBody>
-      </p:sp>
-    </p:spTree>
-  </p:cSld>
-  <p:clrMapOvr>
-    <a:masterClrMapping/>
-  </p:clrMapOvr>
-</p:notes>
-</file>
-
-<file path=ppt/notesSlides/notesSlide40.xml><?xml version="1.0" encoding="utf-8"?>
-<p:notes xmlns:a="http://schemas.openxmlformats.org/drawingml/2006/main" xmlns:r="http://schemas.openxmlformats.org/officeDocument/2006/relationships" xmlns:p="http://schemas.openxmlformats.org/presentationml/2006/main" showMasterSp="0" showMasterPhAnim="0">
-  <p:cSld>
-    <p:spTree>
-      <p:nvGrpSpPr>
-        <p:cNvPr id="1" name="Shape 640"/>
-        <p:cNvGrpSpPr/>
-        <p:nvPr/>
-      </p:nvGrpSpPr>
-      <p:grpSpPr>
-        <a:xfrm>
-          <a:off x="0" y="0"/>
-          <a:ext cx="0" cy="0"/>
-          <a:chOff x="0" y="0"/>
-          <a:chExt cx="0" cy="0"/>
-        </a:xfrm>
-      </p:grpSpPr>
-      <p:sp>
-        <p:nvSpPr>
-          <p:cNvPr id="641" name="Google Shape;641;p37:notes"/>
-          <p:cNvSpPr>
-            <a:spLocks noGrp="1" noRot="1" noChangeAspect="1"/>
-          </p:cNvSpPr>
-          <p:nvPr>
-            <p:ph type="sldImg" idx="2"/>
-          </p:nvPr>
-        </p:nvSpPr>
-        <p:spPr>
-          <a:xfrm>
-            <a:off x="381000" y="685800"/>
-            <a:ext cx="6096000" cy="3429000"/>
-          </a:xfrm>
-          <a:custGeom>
-            <a:avLst/>
-            <a:gdLst/>
-            <a:ahLst/>
-            <a:cxnLst/>
-            <a:rect l="l" t="t" r="r" b="b"/>
-            <a:pathLst>
-              <a:path w="120000" h="120000" extrusionOk="0">
-                <a:moveTo>
-                  <a:pt x="0" y="0"/>
-                </a:moveTo>
-                <a:lnTo>
-                  <a:pt x="120000" y="0"/>
-                </a:lnTo>
-                <a:lnTo>
-                  <a:pt x="120000" y="120000"/>
-                </a:lnTo>
-                <a:lnTo>
-                  <a:pt x="0" y="120000"/>
-                </a:lnTo>
-                <a:close/>
-              </a:path>
-            </a:pathLst>
-          </a:custGeom>
-          <a:noFill/>
-          <a:ln w="9525" cap="flat" cmpd="sng">
-            <a:solidFill>
-              <a:srgbClr val="000000"/>
-            </a:solidFill>
-            <a:prstDash val="solid"/>
-            <a:round/>
-            <a:headEnd type="none" w="sm" len="sm"/>
-            <a:tailEnd type="none" w="sm" len="sm"/>
-          </a:ln>
-        </p:spPr>
-      </p:sp>
-      <p:sp>
-        <p:nvSpPr>
-          <p:cNvPr id="642" name="Google Shape;642;p37:notes"/>
-          <p:cNvSpPr txBox="1">
-            <a:spLocks noGrp="1"/>
-          </p:cNvSpPr>
-          <p:nvPr>
-            <p:ph type="body" idx="1"/>
-          </p:nvPr>
-        </p:nvSpPr>
-        <p:spPr>
-          <a:xfrm>
-            <a:off x="685800" y="4343400"/>
-            <a:ext cx="5486400" cy="4114800"/>
-          </a:xfrm>
-          <a:prstGeom prst="rect">
-            <a:avLst/>
-          </a:prstGeom>
-          <a:noFill/>
-          <a:ln>
-            <a:noFill/>
-          </a:ln>
-        </p:spPr>
-        <p:txBody>
-          <a:bodyPr spcFirstLastPara="1" wrap="square" lIns="91425" tIns="91425" rIns="91425" bIns="91425" anchor="t" anchorCtr="0">
-            <a:noAutofit/>
-          </a:bodyPr>
-          <a:lstStyle/>
-          <a:p>
-            <a:pPr marL="0" lvl="0" indent="0" algn="l" rtl="0">
-              <a:lnSpc>
-                <a:spcPct val="100000"/>
-              </a:lnSpc>
-              <a:spcBef>
-                <a:spcPts val="0"/>
-              </a:spcBef>
-              <a:spcAft>
-                <a:spcPts val="0"/>
-              </a:spcAft>
-              <a:buSzPts val="1100"/>
-              <a:buNone/>
-            </a:pPr>
-            <a:endParaRPr/>
-          </a:p>
-        </p:txBody>
-      </p:sp>
-    </p:spTree>
-  </p:cSld>
-  <p:clrMapOvr>
-    <a:masterClrMapping/>
-  </p:clrMapOvr>
-</p:notes>
-</file>
-
-<file path=ppt/notesSlides/notesSlide41.xml><?xml version="1.0" encoding="utf-8"?>
-<p:notes xmlns:a="http://schemas.openxmlformats.org/drawingml/2006/main" xmlns:r="http://schemas.openxmlformats.org/officeDocument/2006/relationships" xmlns:p="http://schemas.openxmlformats.org/presentationml/2006/main" showMasterSp="0" showMasterPhAnim="0">
-  <p:cSld>
-    <p:spTree>
-      <p:nvGrpSpPr>
-        <p:cNvPr id="1" name="Shape 658"/>
-        <p:cNvGrpSpPr/>
-        <p:nvPr/>
-      </p:nvGrpSpPr>
-      <p:grpSpPr>
-        <a:xfrm>
-          <a:off x="0" y="0"/>
-          <a:ext cx="0" cy="0"/>
-          <a:chOff x="0" y="0"/>
-          <a:chExt cx="0" cy="0"/>
-        </a:xfrm>
-      </p:grpSpPr>
-      <p:sp>
-        <p:nvSpPr>
-          <p:cNvPr id="659" name="Google Shape;659;p59:notes"/>
-          <p:cNvSpPr>
-            <a:spLocks noGrp="1" noRot="1" noChangeAspect="1"/>
-          </p:cNvSpPr>
-          <p:nvPr>
-            <p:ph type="sldImg" idx="2"/>
-          </p:nvPr>
-        </p:nvSpPr>
-        <p:spPr>
-          <a:xfrm>
-            <a:off x="381000" y="685800"/>
-            <a:ext cx="6096000" cy="3429000"/>
-          </a:xfrm>
-          <a:custGeom>
-            <a:avLst/>
-            <a:gdLst/>
-            <a:ahLst/>
-            <a:cxnLst/>
-            <a:rect l="l" t="t" r="r" b="b"/>
-            <a:pathLst>
-              <a:path w="120000" h="120000" extrusionOk="0">
-                <a:moveTo>
-                  <a:pt x="0" y="0"/>
-                </a:moveTo>
-                <a:lnTo>
-                  <a:pt x="120000" y="0"/>
-                </a:lnTo>
-                <a:lnTo>
-                  <a:pt x="120000" y="120000"/>
-                </a:lnTo>
-                <a:lnTo>
-                  <a:pt x="0" y="120000"/>
-                </a:lnTo>
-                <a:close/>
-              </a:path>
-            </a:pathLst>
-          </a:custGeom>
-          <a:noFill/>
-          <a:ln w="9525" cap="flat" cmpd="sng">
-            <a:solidFill>
-              <a:srgbClr val="000000"/>
-            </a:solidFill>
-            <a:prstDash val="solid"/>
-            <a:round/>
-            <a:headEnd type="none" w="sm" len="sm"/>
-            <a:tailEnd type="none" w="sm" len="sm"/>
-          </a:ln>
-        </p:spPr>
-      </p:sp>
-      <p:sp>
-        <p:nvSpPr>
-          <p:cNvPr id="660" name="Google Shape;660;p59:notes"/>
-          <p:cNvSpPr txBox="1">
-            <a:spLocks noGrp="1"/>
-          </p:cNvSpPr>
-          <p:nvPr>
-            <p:ph type="body" idx="1"/>
-          </p:nvPr>
-        </p:nvSpPr>
-        <p:spPr>
-          <a:xfrm>
-            <a:off x="685800" y="4343400"/>
-            <a:ext cx="5486400" cy="4114800"/>
-          </a:xfrm>
-          <a:prstGeom prst="rect">
-            <a:avLst/>
-          </a:prstGeom>
-          <a:noFill/>
-          <a:ln>
-            <a:noFill/>
-          </a:ln>
-        </p:spPr>
-        <p:txBody>
-          <a:bodyPr spcFirstLastPara="1" wrap="square" lIns="91425" tIns="91425" rIns="91425" bIns="91425" anchor="t" anchorCtr="0">
-            <a:noAutofit/>
-          </a:bodyPr>
-          <a:lstStyle/>
-          <a:p>
-            <a:pPr marL="0" lvl="0" indent="0" algn="l" rtl="0">
-              <a:lnSpc>
-                <a:spcPct val="100000"/>
-              </a:lnSpc>
-              <a:spcBef>
-                <a:spcPts val="0"/>
-              </a:spcBef>
-              <a:spcAft>
-                <a:spcPts val="0"/>
-              </a:spcAft>
-              <a:buSzPts val="1100"/>
-              <a:buNone/>
-            </a:pPr>
-            <a:endParaRPr/>
-          </a:p>
-        </p:txBody>
-      </p:sp>
-    </p:spTree>
-    <p:extLst>
-      <p:ext uri="{BB962C8B-B14F-4D97-AF65-F5344CB8AC3E}">
-        <p14:creationId xmlns:p14="http://schemas.microsoft.com/office/powerpoint/2010/main" val="2251458554"/>
-      </p:ext>
-    </p:extLst>
-  </p:cSld>
-  <p:clrMapOvr>
-    <a:masterClrMapping/>
-  </p:clrMapOvr>
-</p:notes>
-</file>
-
-<file path=ppt/notesSlides/notesSlide42.xml><?xml version="1.0" encoding="utf-8"?>
-<p:notes xmlns:a="http://schemas.openxmlformats.org/drawingml/2006/main" xmlns:r="http://schemas.openxmlformats.org/officeDocument/2006/relationships" xmlns:p="http://schemas.openxmlformats.org/presentationml/2006/main" showMasterSp="0" showMasterPhAnim="0">
-  <p:cSld>
-    <p:spTree>
-      <p:nvGrpSpPr>
-        <p:cNvPr id="1" name="Shape 646"/>
-        <p:cNvGrpSpPr/>
-        <p:nvPr/>
-      </p:nvGrpSpPr>
-      <p:grpSpPr>
-        <a:xfrm>
-          <a:off x="0" y="0"/>
-          <a:ext cx="0" cy="0"/>
-          <a:chOff x="0" y="0"/>
-          <a:chExt cx="0" cy="0"/>
-        </a:xfrm>
-      </p:grpSpPr>
-      <p:sp>
-        <p:nvSpPr>
-          <p:cNvPr id="647" name="Google Shape;647;g5e4a07c9b3_1_128:notes"/>
-          <p:cNvSpPr>
-            <a:spLocks noGrp="1" noRot="1" noChangeAspect="1"/>
-          </p:cNvSpPr>
-          <p:nvPr>
-            <p:ph type="sldImg" idx="2"/>
-          </p:nvPr>
-        </p:nvSpPr>
-        <p:spPr>
-          <a:xfrm>
-            <a:off x="381000" y="685800"/>
-            <a:ext cx="6096000" cy="3429000"/>
-          </a:xfrm>
-          <a:custGeom>
-            <a:avLst/>
-            <a:gdLst/>
-            <a:ahLst/>
-            <a:cxnLst/>
-            <a:rect l="l" t="t" r="r" b="b"/>
-            <a:pathLst>
-              <a:path w="120000" h="120000" extrusionOk="0">
-                <a:moveTo>
-                  <a:pt x="0" y="0"/>
-                </a:moveTo>
-                <a:lnTo>
-                  <a:pt x="120000" y="0"/>
-                </a:lnTo>
-                <a:lnTo>
-                  <a:pt x="120000" y="120000"/>
-                </a:lnTo>
-                <a:lnTo>
-                  <a:pt x="0" y="120000"/>
-                </a:lnTo>
-                <a:close/>
-              </a:path>
-            </a:pathLst>
-          </a:custGeom>
-          <a:noFill/>
-          <a:ln w="9525" cap="flat" cmpd="sng">
-            <a:solidFill>
-              <a:srgbClr val="000000"/>
-            </a:solidFill>
-            <a:prstDash val="solid"/>
-            <a:round/>
-            <a:headEnd type="none" w="sm" len="sm"/>
-            <a:tailEnd type="none" w="sm" len="sm"/>
-          </a:ln>
-        </p:spPr>
-      </p:sp>
-      <p:sp>
-        <p:nvSpPr>
-          <p:cNvPr id="648" name="Google Shape;648;g5e4a07c9b3_1_128:notes"/>
-          <p:cNvSpPr txBox="1">
-            <a:spLocks noGrp="1"/>
-          </p:cNvSpPr>
-          <p:nvPr>
-            <p:ph type="body" idx="1"/>
-          </p:nvPr>
-        </p:nvSpPr>
-        <p:spPr>
-          <a:xfrm>
-            <a:off x="685800" y="4343400"/>
-            <a:ext cx="5486400" cy="4114800"/>
-          </a:xfrm>
-          <a:prstGeom prst="rect">
-            <a:avLst/>
-          </a:prstGeom>
-          <a:noFill/>
-          <a:ln>
-            <a:noFill/>
-          </a:ln>
-        </p:spPr>
-        <p:txBody>
-          <a:bodyPr spcFirstLastPara="1" wrap="square" lIns="91425" tIns="91425" rIns="91425" bIns="91425" anchor="t" anchorCtr="0">
-            <a:noAutofit/>
-          </a:bodyPr>
-          <a:lstStyle/>
-          <a:p>
-            <a:pPr marL="0" lvl="0" indent="0" algn="l" rtl="0">
-              <a:lnSpc>
-                <a:spcPct val="100000"/>
-              </a:lnSpc>
-              <a:spcBef>
-                <a:spcPts val="0"/>
-              </a:spcBef>
-              <a:spcAft>
-                <a:spcPts val="0"/>
-              </a:spcAft>
-              <a:buSzPts val="1100"/>
-              <a:buNone/>
-            </a:pPr>
-            <a:endParaRPr/>
-          </a:p>
-        </p:txBody>
-      </p:sp>
-    </p:spTree>
-  </p:cSld>
-  <p:clrMapOvr>
-    <a:masterClrMapping/>
-  </p:clrMapOvr>
-</p:notes>
-</file>
-
-<file path=ppt/notesSlides/notesSlide43.xml><?xml version="1.0" encoding="utf-8"?>
-<p:notes xmlns:a="http://schemas.openxmlformats.org/drawingml/2006/main" xmlns:r="http://schemas.openxmlformats.org/officeDocument/2006/relationships" xmlns:p="http://schemas.openxmlformats.org/presentationml/2006/main" showMasterSp="0" showMasterPhAnim="0">
-  <p:cSld>
-    <p:spTree>
-      <p:nvGrpSpPr>
-        <p:cNvPr id="1" name="Shape 652"/>
-        <p:cNvGrpSpPr/>
-        <p:nvPr/>
-      </p:nvGrpSpPr>
-      <p:grpSpPr>
-        <a:xfrm>
-          <a:off x="0" y="0"/>
-          <a:ext cx="0" cy="0"/>
-          <a:chOff x="0" y="0"/>
-          <a:chExt cx="0" cy="0"/>
-        </a:xfrm>
-      </p:grpSpPr>
-      <p:sp>
-        <p:nvSpPr>
-          <p:cNvPr id="653" name="Google Shape;653;p58:notes"/>
-          <p:cNvSpPr>
-            <a:spLocks noGrp="1" noRot="1" noChangeAspect="1"/>
-          </p:cNvSpPr>
-          <p:nvPr>
-            <p:ph type="sldImg" idx="2"/>
-          </p:nvPr>
-        </p:nvSpPr>
-        <p:spPr>
-          <a:xfrm>
-            <a:off x="381000" y="685800"/>
-            <a:ext cx="6096000" cy="3429000"/>
-          </a:xfrm>
-          <a:custGeom>
-            <a:avLst/>
-            <a:gdLst/>
-            <a:ahLst/>
-            <a:cxnLst/>
-            <a:rect l="l" t="t" r="r" b="b"/>
-            <a:pathLst>
-              <a:path w="120000" h="120000" extrusionOk="0">
-                <a:moveTo>
-                  <a:pt x="0" y="0"/>
-                </a:moveTo>
-                <a:lnTo>
-                  <a:pt x="120000" y="0"/>
-                </a:lnTo>
-                <a:lnTo>
-                  <a:pt x="120000" y="120000"/>
-                </a:lnTo>
-                <a:lnTo>
-                  <a:pt x="0" y="120000"/>
-                </a:lnTo>
-                <a:close/>
-              </a:path>
-            </a:pathLst>
-          </a:custGeom>
-          <a:noFill/>
-          <a:ln w="9525" cap="flat" cmpd="sng">
-            <a:solidFill>
-              <a:srgbClr val="000000"/>
-            </a:solidFill>
-            <a:prstDash val="solid"/>
-            <a:round/>
-            <a:headEnd type="none" w="sm" len="sm"/>
-            <a:tailEnd type="none" w="sm" len="sm"/>
-          </a:ln>
-        </p:spPr>
-      </p:sp>
-      <p:sp>
-        <p:nvSpPr>
-          <p:cNvPr id="654" name="Google Shape;654;p58:notes"/>
-          <p:cNvSpPr txBox="1">
-            <a:spLocks noGrp="1"/>
-          </p:cNvSpPr>
-          <p:nvPr>
-            <p:ph type="body" idx="1"/>
-          </p:nvPr>
-        </p:nvSpPr>
-        <p:spPr>
-          <a:xfrm>
-            <a:off x="685800" y="4343400"/>
-            <a:ext cx="5486400" cy="4114800"/>
-          </a:xfrm>
-          <a:prstGeom prst="rect">
-            <a:avLst/>
-          </a:prstGeom>
-          <a:noFill/>
-          <a:ln>
-            <a:noFill/>
-          </a:ln>
-        </p:spPr>
-        <p:txBody>
-          <a:bodyPr spcFirstLastPara="1" wrap="square" lIns="91425" tIns="91425" rIns="91425" bIns="91425" anchor="t" anchorCtr="0">
-            <a:noAutofit/>
-          </a:bodyPr>
-          <a:lstStyle/>
-          <a:p>
-            <a:pPr marL="0" lvl="0" indent="0" algn="l" rtl="0">
-              <a:lnSpc>
-                <a:spcPct val="100000"/>
-              </a:lnSpc>
-              <a:spcBef>
-                <a:spcPts val="0"/>
-              </a:spcBef>
-              <a:spcAft>
-                <a:spcPts val="0"/>
-              </a:spcAft>
-              <a:buSzPts val="1100"/>
-              <a:buNone/>
-            </a:pPr>
-            <a:endParaRPr/>
-          </a:p>
-        </p:txBody>
-      </p:sp>
-    </p:spTree>
-  </p:cSld>
-  <p:clrMapOvr>
-    <a:masterClrMapping/>
-  </p:clrMapOvr>
-</p:notes>
-</file>
-
-<file path=ppt/notesSlides/notesSlide44.xml><?xml version="1.0" encoding="utf-8"?>
-<p:notes xmlns:a="http://schemas.openxmlformats.org/drawingml/2006/main" xmlns:r="http://schemas.openxmlformats.org/officeDocument/2006/relationships" xmlns:p="http://schemas.openxmlformats.org/presentationml/2006/main" showMasterSp="0" showMasterPhAnim="0">
-  <p:cSld>
-    <p:spTree>
-      <p:nvGrpSpPr>
-        <p:cNvPr id="1" name="Shape 658"/>
-        <p:cNvGrpSpPr/>
-        <p:nvPr/>
-      </p:nvGrpSpPr>
-      <p:grpSpPr>
-        <a:xfrm>
-          <a:off x="0" y="0"/>
-          <a:ext cx="0" cy="0"/>
-          <a:chOff x="0" y="0"/>
-          <a:chExt cx="0" cy="0"/>
-        </a:xfrm>
-      </p:grpSpPr>
-      <p:sp>
-        <p:nvSpPr>
-          <p:cNvPr id="659" name="Google Shape;659;p59:notes"/>
-          <p:cNvSpPr>
-            <a:spLocks noGrp="1" noRot="1" noChangeAspect="1"/>
-          </p:cNvSpPr>
-          <p:nvPr>
-            <p:ph type="sldImg" idx="2"/>
-          </p:nvPr>
-        </p:nvSpPr>
-        <p:spPr>
-          <a:xfrm>
-            <a:off x="381000" y="685800"/>
-            <a:ext cx="6096000" cy="3429000"/>
-          </a:xfrm>
-          <a:custGeom>
-            <a:avLst/>
-            <a:gdLst/>
-            <a:ahLst/>
-            <a:cxnLst/>
-            <a:rect l="l" t="t" r="r" b="b"/>
-            <a:pathLst>
-              <a:path w="120000" h="120000" extrusionOk="0">
-                <a:moveTo>
-                  <a:pt x="0" y="0"/>
-                </a:moveTo>
-                <a:lnTo>
-                  <a:pt x="120000" y="0"/>
-                </a:lnTo>
-                <a:lnTo>
-                  <a:pt x="120000" y="120000"/>
-                </a:lnTo>
-                <a:lnTo>
-                  <a:pt x="0" y="120000"/>
-                </a:lnTo>
-                <a:close/>
-              </a:path>
-            </a:pathLst>
-          </a:custGeom>
-          <a:noFill/>
-          <a:ln w="9525" cap="flat" cmpd="sng">
-            <a:solidFill>
-              <a:srgbClr val="000000"/>
-            </a:solidFill>
-            <a:prstDash val="solid"/>
-            <a:round/>
-            <a:headEnd type="none" w="sm" len="sm"/>
-            <a:tailEnd type="none" w="sm" len="sm"/>
-          </a:ln>
-        </p:spPr>
-      </p:sp>
-      <p:sp>
-        <p:nvSpPr>
-          <p:cNvPr id="660" name="Google Shape;660;p59:notes"/>
           <p:cNvSpPr txBox="1">
             <a:spLocks noGrp="1"/>
           </p:cNvSpPr>
@@ -25372,62 +24757,11 @@
           <a:p>
             <a:r>
               <a:rPr lang="es-PE" sz="1600" dirty="0"/>
-              <a:t>Me gustan los juegos de estrategia </a:t>
-            </a:r>
-          </a:p>
-          <a:p>
-            <a:r>
-              <a:rPr lang="es-PE" sz="1600" dirty="0"/>
-              <a:t>Me gusta hacer deporte, comer rico, viajar y leer sobre tecnología o el universo</a:t>
+              <a:t>Me gustan los juegos de estrategia, hacer deporte, viajar y leer sobre tecnología o el universo</a:t>
             </a:r>
           </a:p>
         </p:txBody>
       </p:sp>
-      <p:pic>
-        <p:nvPicPr>
-          <p:cNvPr id="4098" name="Picture 2" descr="La imagen puede contener: 1 persona, sonriendo, de pie, planta, Ã¡rbol, exterior y naturaleza">
-            <a:extLst>
-              <a:ext uri="{FF2B5EF4-FFF2-40B4-BE49-F238E27FC236}">
-                <a16:creationId xmlns:a16="http://schemas.microsoft.com/office/drawing/2014/main" id="{7CAF8220-0646-4F78-A912-FFB224EF3165}"/>
-              </a:ext>
-            </a:extLst>
-          </p:cNvPr>
-          <p:cNvPicPr>
-            <a:picLocks noChangeAspect="1" noChangeArrowheads="1"/>
-          </p:cNvPicPr>
-          <p:nvPr/>
-        </p:nvPicPr>
-        <p:blipFill rotWithShape="1">
-          <a:blip r:embed="rId3">
-            <a:extLst>
-              <a:ext uri="{28A0092B-C50C-407E-A947-70E740481C1C}">
-                <a14:useLocalDpi xmlns:a14="http://schemas.microsoft.com/office/drawing/2010/main" val="0"/>
-              </a:ext>
-            </a:extLst>
-          </a:blip>
-          <a:srcRect t="14717" r="17455"/>
-          <a:stretch/>
-        </p:blipFill>
-        <p:spPr bwMode="auto">
-          <a:xfrm>
-            <a:off x="7230140" y="1145775"/>
-            <a:ext cx="1777852" cy="1836815"/>
-          </a:xfrm>
-          <a:prstGeom prst="rect">
-            <a:avLst/>
-          </a:prstGeom>
-          <a:noFill/>
-          <a:extLst>
-            <a:ext uri="{909E8E84-426E-40DD-AFC4-6F175D3DCCD1}">
-              <a14:hiddenFill xmlns:a14="http://schemas.microsoft.com/office/drawing/2010/main">
-                <a:solidFill>
-                  <a:srgbClr val="FFFFFF"/>
-                </a:solidFill>
-              </a14:hiddenFill>
-            </a:ext>
-          </a:extLst>
-        </p:spPr>
-      </p:pic>
       <p:sp>
         <p:nvSpPr>
           <p:cNvPr id="11" name="Rectángulo 10">
@@ -25442,7 +24776,7 @@
         </p:nvSpPr>
         <p:spPr>
           <a:xfrm>
-            <a:off x="719583" y="4217723"/>
+            <a:off x="719583" y="4040515"/>
             <a:ext cx="7081284" cy="276999"/>
           </a:xfrm>
           <a:prstGeom prst="rect">
@@ -25463,7 +24797,7 @@
                 <a:solidFill>
                   <a:schemeClr val="hlink"/>
                 </a:solidFill>
-                <a:hlinkClick r:id="rId4"/>
+                <a:hlinkClick r:id="rId3"/>
               </a:rPr>
               <a:t>https://github.com/TheCidRMC/</a:t>
             </a:r>
@@ -25490,7 +24824,7 @@
           <p:nvPr/>
         </p:nvPicPr>
         <p:blipFill rotWithShape="1">
-          <a:blip r:embed="rId5">
+          <a:blip r:embed="rId4">
             <a:extLst>
               <a:ext uri="{28A0092B-C50C-407E-A947-70E740481C1C}">
                 <a14:useLocalDpi xmlns:a14="http://schemas.microsoft.com/office/drawing/2010/main" val="0"/>
@@ -25502,7 +24836,7 @@
         </p:blipFill>
         <p:spPr bwMode="auto">
           <a:xfrm>
-            <a:off x="424308" y="4198507"/>
+            <a:off x="424308" y="4021299"/>
             <a:ext cx="336476" cy="292467"/>
           </a:xfrm>
           <a:prstGeom prst="rect">
@@ -25534,7 +24868,7 @@
         </p:nvSpPr>
         <p:spPr>
           <a:xfrm>
-            <a:off x="730105" y="4481239"/>
+            <a:off x="730105" y="4304031"/>
             <a:ext cx="7210204" cy="276999"/>
           </a:xfrm>
           <a:prstGeom prst="rect">
@@ -25549,7 +24883,7 @@
           <a:p>
             <a:r>
               <a:rPr lang="es-PE" sz="1200" dirty="0">
-                <a:hlinkClick r:id="rId6"/>
+                <a:hlinkClick r:id="rId5"/>
               </a:rPr>
               <a:t>https://www.linkedin.com/in/rodrigo-maldonado-cadenillas-73a9b2b9/</a:t>
             </a:r>
@@ -25572,7 +24906,7 @@
           <p:nvPr/>
         </p:nvPicPr>
         <p:blipFill>
-          <a:blip r:embed="rId7">
+          <a:blip r:embed="rId6">
             <a:extLst>
               <a:ext uri="{28A0092B-C50C-407E-A947-70E740481C1C}">
                 <a14:useLocalDpi xmlns:a14="http://schemas.microsoft.com/office/drawing/2010/main" val="0"/>
@@ -25586,7 +24920,7 @@
         </p:blipFill>
         <p:spPr bwMode="auto">
           <a:xfrm>
-            <a:off x="480461" y="4492920"/>
+            <a:off x="480461" y="4315712"/>
             <a:ext cx="224170" cy="224170"/>
           </a:xfrm>
           <a:prstGeom prst="rect">
@@ -25619,7 +24953,7 @@
           <p:nvPr/>
         </p:nvPicPr>
         <p:blipFill rotWithShape="1">
-          <a:blip r:embed="rId8">
+          <a:blip r:embed="rId7">
             <a:extLst>
               <a:ext uri="{28A0092B-C50C-407E-A947-70E740481C1C}">
                 <a14:useLocalDpi xmlns:a14="http://schemas.microsoft.com/office/drawing/2010/main" val="0"/>
@@ -25631,7 +24965,7 @@
         </p:blipFill>
         <p:spPr bwMode="auto">
           <a:xfrm>
-            <a:off x="465509" y="4789171"/>
+            <a:off x="465509" y="4611963"/>
             <a:ext cx="254074" cy="200003"/>
           </a:xfrm>
           <a:prstGeom prst="rect">
@@ -25663,7 +24997,7 @@
         </p:nvSpPr>
         <p:spPr>
           <a:xfrm>
-            <a:off x="730105" y="4744755"/>
+            <a:off x="730105" y="4567547"/>
             <a:ext cx="7081284" cy="276999"/>
           </a:xfrm>
           <a:prstGeom prst="rect">
@@ -25680,7 +25014,7 @@
               <a:buSzPts val="2800"/>
             </a:pPr>
             <a:r>
-              <a:rPr lang="es-PE" sz="1200" u="sng" dirty="0">
+              <a:rPr lang="es-PE" sz="1200" dirty="0">
                 <a:solidFill>
                   <a:schemeClr val="hlink"/>
                 </a:solidFill>
@@ -25695,6 +25029,47 @@
           </a:p>
         </p:txBody>
       </p:sp>
+      <p:pic>
+        <p:nvPicPr>
+          <p:cNvPr id="9" name="Imagen 8">
+            <a:extLst>
+              <a:ext uri="{FF2B5EF4-FFF2-40B4-BE49-F238E27FC236}">
+                <a16:creationId xmlns:a16="http://schemas.microsoft.com/office/drawing/2014/main" id="{FAAE273E-8EAC-4648-BB50-CB3E630A069B}"/>
+              </a:ext>
+            </a:extLst>
+          </p:cNvPr>
+          <p:cNvPicPr>
+            <a:picLocks noChangeAspect="1"/>
+          </p:cNvPicPr>
+          <p:nvPr/>
+        </p:nvPicPr>
+        <p:blipFill rotWithShape="1">
+          <a:blip r:embed="rId8">
+            <a:extLst>
+              <a:ext uri="{BEBA8EAE-BF5A-486C-A8C5-ECC9F3942E4B}">
+                <a14:imgProps xmlns:a14="http://schemas.microsoft.com/office/drawing/2010/main">
+                  <a14:imgLayer r:embed="rId9">
+                    <a14:imgEffect>
+                      <a14:brightnessContrast bright="20000"/>
+                    </a14:imgEffect>
+                  </a14:imgLayer>
+                </a14:imgProps>
+              </a:ext>
+            </a:extLst>
+          </a:blip>
+          <a:srcRect l="4967"/>
+          <a:stretch/>
+        </p:blipFill>
+        <p:spPr>
+          <a:xfrm>
+            <a:off x="7215963" y="1084217"/>
+            <a:ext cx="1762990" cy="1627567"/>
+          </a:xfrm>
+          <a:prstGeom prst="rect">
+            <a:avLst/>
+          </a:prstGeom>
+        </p:spPr>
+      </p:pic>
     </p:spTree>
     <p:extLst>
       <p:ext uri="{BB962C8B-B14F-4D97-AF65-F5344CB8AC3E}">
@@ -33303,7 +32678,7 @@
         </p:nvSpPr>
         <p:spPr>
           <a:xfrm>
-            <a:off x="311700" y="1493045"/>
+            <a:off x="311700" y="1237864"/>
             <a:ext cx="8139356" cy="1754326"/>
           </a:xfrm>
           <a:prstGeom prst="rect">
@@ -33338,7 +32713,7 @@
               <a:buChar char="•"/>
             </a:pPr>
             <a:r>
-              <a:rPr lang="es" sz="1800" b="0" i="0" u="none" strike="noStrike" cap="none">
+              <a:rPr lang="es" sz="1800" b="0" i="0" u="none" strike="noStrike" cap="none" dirty="0">
                 <a:solidFill>
                   <a:schemeClr val="dk2"/>
                 </a:solidFill>
@@ -33349,7 +32724,7 @@
               </a:rPr>
               <a:t>Todos los datos pertenecen a la misma clase (Homogeneidad perfecta) </a:t>
             </a:r>
-            <a:endParaRPr/>
+            <a:endParaRPr dirty="0"/>
           </a:p>
           <a:p>
             <a:pPr marL="285750" marR="0" lvl="0" indent="-285750" algn="l" rtl="0">
@@ -33370,7 +32745,7 @@
               <a:buChar char="•"/>
             </a:pPr>
             <a:r>
-              <a:rPr lang="es" sz="1800" b="0" i="0" u="none" strike="noStrike" cap="none">
+              <a:rPr lang="es" sz="1800" b="0" i="0" u="none" strike="noStrike" cap="none" dirty="0">
                 <a:solidFill>
                   <a:schemeClr val="dk2"/>
                 </a:solidFill>
@@ -33381,7 +32756,7 @@
               </a:rPr>
               <a:t>Ya se particionó con todas las características (Características discretas) </a:t>
             </a:r>
-            <a:endParaRPr/>
+            <a:endParaRPr dirty="0"/>
           </a:p>
           <a:p>
             <a:pPr marL="285750" marR="0" lvl="0" indent="-285750" algn="l" rtl="0">
@@ -33402,7 +32777,7 @@
               <a:buChar char="•"/>
             </a:pPr>
             <a:r>
-              <a:rPr lang="es" sz="1800" b="0" i="0" u="none" strike="noStrike" cap="none">
+              <a:rPr lang="es" sz="1800" b="0" i="0" u="none" strike="noStrike" cap="none" dirty="0">
                 <a:solidFill>
                   <a:schemeClr val="dk2"/>
                 </a:solidFill>
@@ -33413,7 +32788,7 @@
               </a:rPr>
               <a:t>Limitar la profundidad del árbol</a:t>
             </a:r>
-            <a:endParaRPr/>
+            <a:endParaRPr dirty="0"/>
           </a:p>
           <a:p>
             <a:pPr marL="285750" marR="0" lvl="0" indent="-285750" algn="l" rtl="0">
@@ -33434,7 +32809,7 @@
               <a:buChar char="•"/>
             </a:pPr>
             <a:r>
-              <a:rPr lang="es" sz="1800" b="0" i="0" u="none" strike="noStrike" cap="none">
+              <a:rPr lang="es" sz="1800" b="0" i="0" u="none" strike="noStrike" cap="none" dirty="0">
                 <a:solidFill>
                   <a:schemeClr val="dk2"/>
                 </a:solidFill>
@@ -33445,7 +32820,7 @@
               </a:rPr>
               <a:t>Exigir una mejora mínima en la medida de calidad </a:t>
             </a:r>
-            <a:endParaRPr/>
+            <a:endParaRPr dirty="0"/>
           </a:p>
           <a:p>
             <a:pPr marL="285750" marR="0" lvl="0" indent="-285750" algn="l" rtl="0">
@@ -33466,7 +32841,7 @@
               <a:buChar char="•"/>
             </a:pPr>
             <a:r>
-              <a:rPr lang="es" sz="1800" b="0" i="0" u="none" strike="noStrike" cap="none">
+              <a:rPr lang="es" sz="1800" b="0" i="0" u="none" strike="noStrike" cap="none" dirty="0">
                 <a:solidFill>
                   <a:schemeClr val="dk2"/>
                 </a:solidFill>
@@ -33477,7 +32852,7 @@
               </a:rPr>
               <a:t>Limitar el número de instancias por nodo</a:t>
             </a:r>
-            <a:endParaRPr/>
+            <a:endParaRPr dirty="0"/>
           </a:p>
           <a:p>
             <a:pPr marL="285750" marR="0" lvl="0" indent="-285750" algn="l" rtl="0">
@@ -33498,7 +32873,7 @@
               <a:buChar char="•"/>
             </a:pPr>
             <a:r>
-              <a:rPr lang="es" sz="1800" b="0" i="0" u="none" strike="noStrike" cap="none">
+              <a:rPr lang="es" sz="1800" b="0" i="0" u="none" strike="noStrike" cap="none" dirty="0">
                 <a:solidFill>
                   <a:schemeClr val="dk2"/>
                 </a:solidFill>
@@ -33509,7 +32884,7 @@
               </a:rPr>
               <a:t>Limitar el número de características a evaluar en cada partición</a:t>
             </a:r>
-            <a:endParaRPr/>
+            <a:endParaRPr dirty="0"/>
           </a:p>
         </p:txBody>
       </p:sp>
@@ -33566,6 +32941,36 @@
           </a:p>
         </p:txBody>
       </p:sp>
+      <p:pic>
+        <p:nvPicPr>
+          <p:cNvPr id="2" name="Imagen 1">
+            <a:extLst>
+              <a:ext uri="{FF2B5EF4-FFF2-40B4-BE49-F238E27FC236}">
+                <a16:creationId xmlns:a16="http://schemas.microsoft.com/office/drawing/2014/main" id="{2638B816-7A7F-4F42-8351-BF64334F1A26}"/>
+              </a:ext>
+            </a:extLst>
+          </p:cNvPr>
+          <p:cNvPicPr>
+            <a:picLocks noChangeAspect="1"/>
+          </p:cNvPicPr>
+          <p:nvPr/>
+        </p:nvPicPr>
+        <p:blipFill>
+          <a:blip r:embed="rId3"/>
+          <a:stretch>
+            <a:fillRect/>
+          </a:stretch>
+        </p:blipFill>
+        <p:spPr>
+          <a:xfrm>
+            <a:off x="1948333" y="2992190"/>
+            <a:ext cx="5481693" cy="1953080"/>
+          </a:xfrm>
+          <a:prstGeom prst="rect">
+            <a:avLst/>
+          </a:prstGeom>
+        </p:spPr>
+      </p:pic>
     </p:spTree>
   </p:cSld>
   <p:clrMapOvr>
@@ -33684,7 +33089,7 @@
               <a:buChar char="•"/>
             </a:pPr>
             <a:r>
-              <a:rPr lang="es" sz="1800" b="0" i="0" u="none" strike="noStrike" cap="none">
+              <a:rPr lang="es" sz="1800" b="0" i="0" u="none" strike="noStrike" cap="none" dirty="0">
                 <a:solidFill>
                   <a:schemeClr val="dk2"/>
                 </a:solidFill>
@@ -33695,7 +33100,7 @@
               </a:rPr>
               <a:t>La detención temprana del aprendizaje puede perder de vista “buenas” particiones que podrían darse después de otras “inútiles”</a:t>
             </a:r>
-            <a:endParaRPr/>
+            <a:endParaRPr dirty="0"/>
           </a:p>
           <a:p>
             <a:pPr marL="285750" marR="0" lvl="0" indent="-285750" algn="l" rtl="0">
@@ -33716,7 +33121,7 @@
               <a:buChar char="•"/>
             </a:pPr>
             <a:r>
-              <a:rPr lang="es" sz="1800" b="0" i="0" u="none" strike="noStrike" cap="none">
+              <a:rPr lang="es" sz="1800" b="0" i="0" u="none" strike="noStrike" cap="none" dirty="0">
                 <a:solidFill>
                   <a:schemeClr val="dk2"/>
                 </a:solidFill>
@@ -33727,7 +33132,7 @@
               </a:rPr>
               <a:t>La estrategia de poda consiste en dejar crecer por completo el árbol y simplificarlo después</a:t>
             </a:r>
-            <a:endParaRPr/>
+            <a:endParaRPr dirty="0"/>
           </a:p>
           <a:p>
             <a:pPr marL="285750" marR="0" lvl="0" indent="-285750" algn="l" rtl="0">
@@ -33748,7 +33153,7 @@
               <a:buChar char="•"/>
             </a:pPr>
             <a:r>
-              <a:rPr lang="es" sz="1800" b="0" i="0" u="none" strike="noStrike" cap="none">
+              <a:rPr lang="es" sz="1800" b="0" i="0" u="none" strike="noStrike" cap="none" dirty="0">
                 <a:solidFill>
                   <a:schemeClr val="dk2"/>
                 </a:solidFill>
@@ -33759,7 +33164,7 @@
               </a:rPr>
               <a:t>Durante la poda se puede simplificar el árbol según diversos criterios que permitan limitar la complejidad del árbol, como por ejemplo el número de nodos hoja</a:t>
             </a:r>
-            <a:endParaRPr/>
+            <a:endParaRPr dirty="0"/>
           </a:p>
           <a:p>
             <a:pPr marL="285750" marR="0" lvl="0" indent="-285750" algn="l" rtl="0">
@@ -33780,7 +33185,7 @@
               <a:buChar char="•"/>
             </a:pPr>
             <a:r>
-              <a:rPr lang="es" sz="1800" b="0" i="0" u="none" strike="noStrike" cap="none">
+              <a:rPr lang="es" sz="1800" b="0" i="0" u="none" strike="noStrike" cap="none" dirty="0">
                 <a:solidFill>
                   <a:schemeClr val="dk2"/>
                 </a:solidFill>
@@ -33791,7 +33196,7 @@
               </a:rPr>
               <a:t>De manera general se busca minimizar de manera equilibrada, tanto el error de clasificación como la complejidad del modelo: Costo(T) = Error(T) + λComplejidad(T)</a:t>
             </a:r>
-            <a:endParaRPr/>
+            <a:endParaRPr dirty="0"/>
           </a:p>
         </p:txBody>
       </p:sp>
@@ -33916,10 +33321,22 @@
               <a:buNone/>
             </a:pPr>
             <a:r>
-              <a:rPr lang="es"/>
-              <a:t>Ventajas / desventajas</a:t>
+              <a:rPr lang="es" dirty="0"/>
+              <a:t>Ventajas </a:t>
             </a:r>
-            <a:endParaRPr/>
+            <a:r>
+              <a:rPr lang="es-PE" dirty="0"/>
+              <a:t>y</a:t>
+            </a:r>
+            <a:r>
+              <a:rPr lang="es" dirty="0"/>
+              <a:t> desventajas </a:t>
+            </a:r>
+            <a:r>
+              <a:rPr lang="es-PE" dirty="0"/>
+              <a:t>de los Árboles de Decisión</a:t>
+            </a:r>
+            <a:endParaRPr dirty="0"/>
           </a:p>
         </p:txBody>
       </p:sp>
@@ -33931,8 +33348,8 @@
         </p:nvSpPr>
         <p:spPr>
           <a:xfrm>
-            <a:off x="311700" y="1404375"/>
-            <a:ext cx="8201700" cy="2862300"/>
+            <a:off x="311699" y="1404375"/>
+            <a:ext cx="8470793" cy="3416279"/>
           </a:xfrm>
           <a:prstGeom prst="rect">
             <a:avLst/>
@@ -33961,7 +33378,7 @@
               <a:buNone/>
             </a:pPr>
             <a:r>
-              <a:rPr lang="es" sz="1800" b="0" i="0" u="none" strike="noStrike" cap="none">
+              <a:rPr lang="es" sz="1800" b="0" i="0" u="none" strike="noStrike" cap="none" dirty="0">
                 <a:solidFill>
                   <a:schemeClr val="dk2"/>
                 </a:solidFill>
@@ -33972,7 +33389,7 @@
               </a:rPr>
               <a:t>Ventajas </a:t>
             </a:r>
-            <a:endParaRPr/>
+            <a:endParaRPr dirty="0"/>
           </a:p>
           <a:p>
             <a:pPr marL="285750" marR="0" lvl="0" indent="-285750" algn="l" rtl="0">
@@ -33993,7 +33410,7 @@
               <a:buChar char="•"/>
             </a:pPr>
             <a:r>
-              <a:rPr lang="es" sz="1800" b="0" i="0" u="none" strike="noStrike" cap="none">
+              <a:rPr lang="es" sz="1800" b="0" i="0" u="none" strike="noStrike" cap="none" dirty="0">
                 <a:solidFill>
                   <a:schemeClr val="dk2"/>
                 </a:solidFill>
@@ -34004,7 +33421,7 @@
               </a:rPr>
               <a:t>Fáciles de entender y visualizar </a:t>
             </a:r>
-            <a:endParaRPr/>
+            <a:endParaRPr dirty="0"/>
           </a:p>
           <a:p>
             <a:pPr marL="285750" marR="0" lvl="0" indent="-285750" algn="l" rtl="0">
@@ -34025,7 +33442,7 @@
               <a:buChar char="•"/>
             </a:pPr>
             <a:r>
-              <a:rPr lang="es" sz="1800" b="0" i="0" u="none" strike="noStrike" cap="none">
+              <a:rPr lang="es" sz="1800" b="0" i="0" u="none" strike="noStrike" cap="none" dirty="0">
                 <a:solidFill>
                   <a:schemeClr val="dk2"/>
                 </a:solidFill>
@@ -34036,7 +33453,7 @@
               </a:rPr>
               <a:t>Útiles para la exploración de los datos </a:t>
             </a:r>
-            <a:endParaRPr/>
+            <a:endParaRPr dirty="0"/>
           </a:p>
           <a:p>
             <a:pPr marL="285750" marR="0" lvl="0" indent="-285750" algn="l" rtl="0">
@@ -34057,7 +33474,7 @@
               <a:buChar char="•"/>
             </a:pPr>
             <a:r>
-              <a:rPr lang="es" sz="1800" b="0" i="0" u="none" strike="noStrike" cap="none">
+              <a:rPr lang="es" sz="1800" b="0" i="0" u="none" strike="noStrike" cap="none" dirty="0">
                 <a:solidFill>
                   <a:schemeClr val="dk2"/>
                 </a:solidFill>
@@ -34068,7 +33485,7 @@
               </a:rPr>
               <a:t>Requieren poco pre-procesamiento de los datos </a:t>
             </a:r>
-            <a:endParaRPr/>
+            <a:endParaRPr dirty="0"/>
           </a:p>
           <a:p>
             <a:pPr marL="285750" marR="0" lvl="0" indent="-285750" algn="l" rtl="0">
@@ -34089,7 +33506,7 @@
               <a:buChar char="•"/>
             </a:pPr>
             <a:r>
-              <a:rPr lang="es" sz="1800" b="0" i="0" u="none" strike="noStrike" cap="none">
+              <a:rPr lang="es" sz="1800" b="0" i="0" u="none" strike="noStrike" cap="none" dirty="0">
                 <a:solidFill>
                   <a:schemeClr val="dk2"/>
                 </a:solidFill>
@@ -34100,7 +33517,7 @@
               </a:rPr>
               <a:t>No se limitan a un tipo de dato (discretos o continuos)</a:t>
             </a:r>
-            <a:endParaRPr/>
+            <a:endParaRPr dirty="0"/>
           </a:p>
           <a:p>
             <a:pPr marL="285750" marR="0" lvl="0" indent="-285750" algn="l" rtl="0">
@@ -34121,7 +33538,7 @@
               <a:buChar char="•"/>
             </a:pPr>
             <a:r>
-              <a:rPr lang="es" sz="1800" b="0" i="0" u="none" strike="noStrike" cap="none">
+              <a:rPr lang="es" sz="1800" b="0" i="0" u="none" strike="noStrike" cap="none" dirty="0">
                 <a:solidFill>
                   <a:schemeClr val="dk2"/>
                 </a:solidFill>
@@ -34132,7 +33549,7 @@
               </a:rPr>
               <a:t>Pueden manejar múltiples salidas </a:t>
             </a:r>
-            <a:endParaRPr/>
+            <a:endParaRPr dirty="0"/>
           </a:p>
           <a:p>
             <a:pPr marL="0" marR="0" lvl="0" indent="0" algn="l" rtl="0">
@@ -34147,7 +33564,7 @@
               </a:spcAft>
               <a:buNone/>
             </a:pPr>
-            <a:endParaRPr sz="1800" b="0" i="0" u="none" strike="noStrike" cap="none">
+            <a:endParaRPr sz="1800" b="0" i="0" u="none" strike="noStrike" cap="none" dirty="0">
               <a:solidFill>
                 <a:schemeClr val="dk2"/>
               </a:solidFill>
@@ -34171,7 +33588,7 @@
               <a:buNone/>
             </a:pPr>
             <a:r>
-              <a:rPr lang="es" sz="1800" b="0" i="0" u="none" strike="noStrike" cap="none">
+              <a:rPr lang="es" sz="1800" b="0" i="0" u="none" strike="noStrike" cap="none" dirty="0">
                 <a:solidFill>
                   <a:schemeClr val="dk2"/>
                 </a:solidFill>
@@ -34182,7 +33599,7 @@
               </a:rPr>
               <a:t>Desventajas </a:t>
             </a:r>
-            <a:endParaRPr/>
+            <a:endParaRPr dirty="0"/>
           </a:p>
           <a:p>
             <a:pPr marL="285750" marR="0" lvl="0" indent="-285750" algn="l" rtl="0">
@@ -34203,7 +33620,7 @@
               <a:buChar char="•"/>
             </a:pPr>
             <a:r>
-              <a:rPr lang="es" sz="1800" b="0" i="0" u="none" strike="noStrike" cap="none">
+              <a:rPr lang="es" sz="1800" b="0" i="0" u="none" strike="noStrike" cap="none" dirty="0">
                 <a:solidFill>
                   <a:schemeClr val="dk2"/>
                 </a:solidFill>
@@ -34214,7 +33631,7 @@
               </a:rPr>
               <a:t>Riesgo de overfitting </a:t>
             </a:r>
-            <a:endParaRPr/>
+            <a:endParaRPr dirty="0"/>
           </a:p>
           <a:p>
             <a:pPr marL="285750" marR="0" lvl="0" indent="-285750" algn="l" rtl="0">
@@ -34235,7 +33652,7 @@
               <a:buChar char="•"/>
             </a:pPr>
             <a:r>
-              <a:rPr lang="es" sz="1800" b="0" i="0" u="none" strike="noStrike" cap="none">
+              <a:rPr lang="es" sz="1800" b="0" i="0" u="none" strike="noStrike" cap="none" dirty="0">
                 <a:solidFill>
                   <a:schemeClr val="dk2"/>
                 </a:solidFill>
@@ -34246,7 +33663,7 @@
               </a:rPr>
               <a:t>No son lo más apropiado para variables continuas</a:t>
             </a:r>
-            <a:endParaRPr sz="1800" b="0" i="0" u="none" strike="noStrike" cap="none">
+            <a:endParaRPr sz="1800" b="0" i="0" u="none" strike="noStrike" cap="none" dirty="0">
               <a:solidFill>
                 <a:schemeClr val="dk2"/>
               </a:solidFill>
@@ -34274,14 +33691,64 @@
               <a:buChar char="•"/>
             </a:pPr>
             <a:r>
-              <a:rPr lang="es" sz="1800">
+              <a:rPr lang="es" sz="1800" dirty="0">
                 <a:solidFill>
                   <a:schemeClr val="dk2"/>
                 </a:solidFill>
               </a:rPr>
               <a:t>Son inestables. Una alteración en la data puede cambiar todo el árbol</a:t>
             </a:r>
-            <a:endParaRPr sz="1800">
+          </a:p>
+          <a:p>
+            <a:pPr marL="285750" marR="0" lvl="0" indent="-285750" algn="l" rtl="0">
+              <a:lnSpc>
+                <a:spcPct val="100000"/>
+              </a:lnSpc>
+              <a:spcBef>
+                <a:spcPts val="0"/>
+              </a:spcBef>
+              <a:spcAft>
+                <a:spcPts val="0"/>
+              </a:spcAft>
+              <a:buClr>
+                <a:schemeClr val="dk2"/>
+              </a:buClr>
+              <a:buSzPts val="1800"/>
+              <a:buChar char="•"/>
+            </a:pPr>
+            <a:r>
+              <a:rPr lang="es" sz="1800" dirty="0">
+                <a:solidFill>
+                  <a:schemeClr val="dk2"/>
+                </a:solidFill>
+              </a:rPr>
+              <a:t>No encuetran el óptimo glob</a:t>
+            </a:r>
+            <a:r>
+              <a:rPr lang="es-PE" sz="1800" dirty="0">
+                <a:solidFill>
+                  <a:schemeClr val="dk2"/>
+                </a:solidFill>
+              </a:rPr>
+              <a:t>al, dificultad NP Complete – O(</a:t>
+            </a:r>
+            <a:r>
+              <a:rPr lang="es-PE" sz="1800" dirty="0" err="1">
+                <a:solidFill>
+                  <a:schemeClr val="dk2"/>
+                </a:solidFill>
+              </a:rPr>
+              <a:t>exp</a:t>
+            </a:r>
+            <a:r>
+              <a:rPr lang="es-PE" sz="1800" dirty="0">
+                <a:solidFill>
+                  <a:schemeClr val="dk2"/>
+                </a:solidFill>
+              </a:rPr>
+              <a:t>(n)) </a:t>
+            </a:r>
+            <a:endParaRPr sz="1800" dirty="0">
               <a:solidFill>
                 <a:schemeClr val="dk2"/>
               </a:solidFill>
@@ -34355,7 +33822,7 @@
   <p:cSld>
     <p:spTree>
       <p:nvGrpSpPr>
-        <p:cNvPr id="1" name="Shape 620"/>
+        <p:cNvPr id="1" name="Shape 661"/>
         <p:cNvGrpSpPr/>
         <p:nvPr/>
       </p:nvGrpSpPr>
@@ -34369,18 +33836,18 @@
       </p:grpSpPr>
       <p:sp>
         <p:nvSpPr>
-          <p:cNvPr id="621" name="Google Shape;621;g5e4a07c9b3_1_47"/>
+          <p:cNvPr id="662" name="Google Shape;662;p59"/>
           <p:cNvSpPr txBox="1">
             <a:spLocks noGrp="1"/>
           </p:cNvSpPr>
           <p:nvPr>
-            <p:ph type="ctrTitle"/>
+            <p:ph type="title"/>
           </p:nvPr>
         </p:nvSpPr>
         <p:spPr>
           <a:xfrm>
-            <a:off x="311708" y="744575"/>
-            <a:ext cx="8520600" cy="2052600"/>
+            <a:off x="2851021" y="2153540"/>
+            <a:ext cx="3441958" cy="836419"/>
           </a:xfrm>
           <a:prstGeom prst="rect">
             <a:avLst/>
@@ -34391,33 +33858,42 @@
           </a:ln>
         </p:spPr>
         <p:txBody>
-          <a:bodyPr spcFirstLastPara="1" wrap="square" lIns="91425" tIns="91425" rIns="91425" bIns="91425" anchor="b" anchorCtr="0">
+          <a:bodyPr spcFirstLastPara="1" wrap="square" lIns="91425" tIns="91425" rIns="91425" bIns="91425" anchor="t" anchorCtr="0">
             <a:noAutofit/>
           </a:bodyPr>
           <a:lstStyle/>
           <a:p>
-            <a:pPr marL="0" lvl="0" indent="0" algn="ctr" rtl="0">
-              <a:lnSpc>
-                <a:spcPct val="100000"/>
-              </a:lnSpc>
-              <a:spcBef>
-                <a:spcPts val="0"/>
-              </a:spcBef>
-              <a:spcAft>
-                <a:spcPts val="0"/>
-              </a:spcAft>
-              <a:buSzPts val="5200"/>
+            <a:pPr marL="0" lvl="0" indent="0" algn="l" rtl="0">
+              <a:lnSpc>
+                <a:spcPct val="100000"/>
+              </a:lnSpc>
+              <a:spcBef>
+                <a:spcPts val="0"/>
+              </a:spcBef>
+              <a:spcAft>
+                <a:spcPts val="0"/>
+              </a:spcAft>
+              <a:buSzPts val="2800"/>
               <a:buNone/>
             </a:pPr>
             <a:r>
-              <a:rPr lang="es"/>
-              <a:t>Feature importance</a:t>
+              <a:rPr lang="es" sz="4400" dirty="0"/>
+              <a:t>¿</a:t>
             </a:r>
-            <a:endParaRPr/>
+            <a:r>
+              <a:rPr lang="es-PE" sz="4400" dirty="0"/>
+              <a:t>Preguntas?</a:t>
+            </a:r>
+            <a:endParaRPr sz="4400" dirty="0"/>
           </a:p>
         </p:txBody>
       </p:sp>
     </p:spTree>
+    <p:extLst>
+      <p:ext uri="{BB962C8B-B14F-4D97-AF65-F5344CB8AC3E}">
+        <p14:creationId xmlns:p14="http://schemas.microsoft.com/office/powerpoint/2010/main" val="2556624590"/>
+      </p:ext>
+    </p:extLst>
   </p:cSld>
   <p:clrMapOvr>
     <a:masterClrMapping/>
@@ -34430,7 +33906,7 @@
   <p:cSld>
     <p:spTree>
       <p:nvGrpSpPr>
-        <p:cNvPr id="1" name="Shape 625"/>
+        <p:cNvPr id="1" name="Shape 649"/>
         <p:cNvGrpSpPr/>
         <p:nvPr/>
       </p:nvGrpSpPr>
@@ -34444,18 +33920,18 @@
       </p:grpSpPr>
       <p:sp>
         <p:nvSpPr>
-          <p:cNvPr id="626" name="Google Shape;626;p34"/>
+          <p:cNvPr id="650" name="Google Shape;650;g5e4a07c9b3_1_128"/>
           <p:cNvSpPr txBox="1">
             <a:spLocks noGrp="1"/>
           </p:cNvSpPr>
           <p:nvPr>
-            <p:ph type="title"/>
+            <p:ph type="ctrTitle"/>
           </p:nvPr>
         </p:nvSpPr>
         <p:spPr>
           <a:xfrm>
-            <a:off x="311700" y="445025"/>
-            <a:ext cx="8520600" cy="572700"/>
+            <a:off x="-1051767" y="866525"/>
+            <a:ext cx="8520600" cy="2052600"/>
           </a:xfrm>
           <a:prstGeom prst="rect">
             <a:avLst/>
@@ -34466,46 +33942,50 @@
           </a:ln>
         </p:spPr>
         <p:txBody>
-          <a:bodyPr spcFirstLastPara="1" wrap="square" lIns="91425" tIns="91425" rIns="91425" bIns="91425" anchor="t" anchorCtr="0">
+          <a:bodyPr spcFirstLastPara="1" wrap="square" lIns="91425" tIns="91425" rIns="91425" bIns="91425" anchor="b" anchorCtr="0">
             <a:noAutofit/>
           </a:bodyPr>
           <a:lstStyle/>
           <a:p>
-            <a:pPr marL="0" lvl="0" indent="0" algn="l" rtl="0">
-              <a:lnSpc>
-                <a:spcPct val="100000"/>
-              </a:lnSpc>
-              <a:spcBef>
-                <a:spcPts val="0"/>
-              </a:spcBef>
-              <a:spcAft>
-                <a:spcPts val="0"/>
-              </a:spcAft>
-              <a:buSzPts val="2800"/>
+            <a:pPr marL="0" lvl="0" indent="0" algn="ctr" rtl="0">
+              <a:lnSpc>
+                <a:spcPct val="100000"/>
+              </a:lnSpc>
+              <a:spcBef>
+                <a:spcPts val="0"/>
+              </a:spcBef>
+              <a:spcAft>
+                <a:spcPts val="0"/>
+              </a:spcAft>
+              <a:buSzPts val="5200"/>
               <a:buNone/>
             </a:pPr>
             <a:r>
               <a:rPr lang="es"/>
-              <a:t>Feature importance</a:t>
+              <a:t>Let’s code</a:t>
             </a:r>
             <a:endParaRPr/>
           </a:p>
         </p:txBody>
       </p:sp>
-      <p:sp>
-        <p:nvSpPr>
-          <p:cNvPr id="627" name="Google Shape;627;p34"/>
-          <p:cNvSpPr txBox="1">
-            <a:spLocks noGrp="1"/>
-          </p:cNvSpPr>
-          <p:nvPr>
-            <p:ph type="body" idx="1"/>
-          </p:nvPr>
-        </p:nvSpPr>
-        <p:spPr>
-          <a:xfrm>
-            <a:off x="241005" y="1152475"/>
-            <a:ext cx="8591295" cy="3416400"/>
+      <p:pic>
+        <p:nvPicPr>
+          <p:cNvPr id="651" name="Google Shape;651;g5e4a07c9b3_1_128"/>
+          <p:cNvPicPr preferRelativeResize="0"/>
+          <p:nvPr/>
+        </p:nvPicPr>
+        <p:blipFill>
+          <a:blip r:embed="rId3">
+            <a:alphaModFix/>
+          </a:blip>
+          <a:stretch>
+            <a:fillRect/>
+          </a:stretch>
+        </p:blipFill>
+        <p:spPr>
+          <a:xfrm>
+            <a:off x="5526952" y="1488675"/>
+            <a:ext cx="2166125" cy="2166150"/>
           </a:xfrm>
           <a:prstGeom prst="rect">
             <a:avLst/>
@@ -34515,99 +33995,7 @@
             <a:noFill/>
           </a:ln>
         </p:spPr>
-        <p:txBody>
-          <a:bodyPr spcFirstLastPara="1" wrap="square" lIns="91425" tIns="91425" rIns="91425" bIns="91425" anchor="t" anchorCtr="0">
-            <a:noAutofit/>
-          </a:bodyPr>
-          <a:lstStyle/>
-          <a:p>
-            <a:pPr marL="114300" lvl="0" indent="0">
-              <a:buNone/>
-            </a:pPr>
-            <a:r>
-              <a:rPr lang="es-PE" dirty="0"/>
-              <a:t>Cuanto mayor sea el valor, más importante será la característica.</a:t>
-            </a:r>
-            <a:endParaRPr lang="es" dirty="0"/>
-          </a:p>
-          <a:p>
-            <a:pPr marL="457200" lvl="0" indent="-342900" algn="l" rtl="0">
-              <a:lnSpc>
-                <a:spcPct val="115000"/>
-              </a:lnSpc>
-              <a:spcBef>
-                <a:spcPts val="0"/>
-              </a:spcBef>
-              <a:spcAft>
-                <a:spcPts val="0"/>
-              </a:spcAft>
-              <a:buSzPts val="1800"/>
-              <a:buAutoNum type="arabicPeriod"/>
-            </a:pPr>
-            <a:endParaRPr lang="es" dirty="0"/>
-          </a:p>
-          <a:p>
-            <a:pPr marL="457200" lvl="0" indent="-342900" algn="l" rtl="0">
-              <a:lnSpc>
-                <a:spcPct val="115000"/>
-              </a:lnSpc>
-              <a:spcBef>
-                <a:spcPts val="0"/>
-              </a:spcBef>
-              <a:spcAft>
-                <a:spcPts val="0"/>
-              </a:spcAft>
-              <a:buSzPts val="1800"/>
-              <a:buAutoNum type="arabicPeriod"/>
-            </a:pPr>
-            <a:r>
-              <a:rPr lang="es" dirty="0"/>
-              <a:t>Mean decrease in impurity (or gini importance)</a:t>
-            </a:r>
-            <a:endParaRPr dirty="0"/>
-          </a:p>
-          <a:p>
-            <a:pPr marL="457200" lvl="0" indent="-342900" algn="l" rtl="0">
-              <a:lnSpc>
-                <a:spcPct val="115000"/>
-              </a:lnSpc>
-              <a:spcBef>
-                <a:spcPts val="0"/>
-              </a:spcBef>
-              <a:spcAft>
-                <a:spcPts val="0"/>
-              </a:spcAft>
-              <a:buSzPts val="1800"/>
-              <a:buAutoNum type="arabicPeriod"/>
-            </a:pPr>
-            <a:r>
-              <a:rPr lang="es" dirty="0"/>
-              <a:t>Permutation importance</a:t>
-            </a:r>
-            <a:endParaRPr dirty="0"/>
-          </a:p>
-          <a:p>
-            <a:pPr marL="457200" lvl="0" indent="-342900" algn="l" rtl="0">
-              <a:lnSpc>
-                <a:spcPct val="115000"/>
-              </a:lnSpc>
-              <a:spcBef>
-                <a:spcPts val="0"/>
-              </a:spcBef>
-              <a:spcAft>
-                <a:spcPts val="0"/>
-              </a:spcAft>
-              <a:buSzPts val="1800"/>
-              <a:buAutoNum type="arabicPeriod"/>
-            </a:pPr>
-            <a:r>
-              <a:rPr lang="es" dirty="0"/>
-              <a:t>Drop-column importance</a:t>
-            </a:r>
-            <a:endParaRPr dirty="0"/>
-          </a:p>
-        </p:txBody>
-      </p:sp>
+      </p:pic>
     </p:spTree>
   </p:cSld>
   <p:clrMapOvr>
@@ -34621,7 +34009,7 @@
   <p:cSld>
     <p:spTree>
       <p:nvGrpSpPr>
-        <p:cNvPr id="1" name="Shape 631"/>
+        <p:cNvPr id="1" name="Shape 655"/>
         <p:cNvGrpSpPr/>
         <p:nvPr/>
       </p:nvGrpSpPr>
@@ -34635,7 +34023,7 @@
       </p:grpSpPr>
       <p:sp>
         <p:nvSpPr>
-          <p:cNvPr id="632" name="Google Shape;632;p35"/>
+          <p:cNvPr id="656" name="Google Shape;656;p58"/>
           <p:cNvSpPr txBox="1">
             <a:spLocks noGrp="1"/>
           </p:cNvSpPr>
@@ -34677,7 +34065,7 @@
             </a:pPr>
             <a:r>
               <a:rPr lang="es"/>
-              <a:t>Mean decrease impurity (or gini importance)</a:t>
+              <a:t>Referencias</a:t>
             </a:r>
             <a:endParaRPr/>
           </a:p>
@@ -34685,18 +34073,14 @@
       </p:sp>
       <p:sp>
         <p:nvSpPr>
-          <p:cNvPr id="633" name="Google Shape;633;p35"/>
-          <p:cNvSpPr txBox="1">
-            <a:spLocks noGrp="1"/>
-          </p:cNvSpPr>
-          <p:nvPr>
-            <p:ph type="body" idx="1"/>
-          </p:nvPr>
+          <p:cNvPr id="657" name="Google Shape;657;p58"/>
+          <p:cNvSpPr/>
+          <p:nvPr/>
         </p:nvSpPr>
         <p:spPr>
           <a:xfrm>
-            <a:off x="311700" y="1152475"/>
-            <a:ext cx="8520600" cy="3416400"/>
+            <a:off x="311700" y="1246200"/>
+            <a:ext cx="8722500" cy="1169511"/>
           </a:xfrm>
           <a:prstGeom prst="rect">
             <a:avLst/>
@@ -34707,29 +34091,126 @@
           </a:ln>
         </p:spPr>
         <p:txBody>
-          <a:bodyPr spcFirstLastPara="1" wrap="square" lIns="91425" tIns="91425" rIns="91425" bIns="91425" anchor="t" anchorCtr="0">
-            <a:noAutofit/>
+          <a:bodyPr spcFirstLastPara="1" wrap="square" lIns="91425" tIns="45700" rIns="91425" bIns="45700" anchor="t" anchorCtr="0">
+            <a:spAutoFit/>
           </a:bodyPr>
           <a:lstStyle/>
           <a:p>
-            <a:pPr marL="0" lvl="0" indent="0" algn="l" rtl="0">
-              <a:lnSpc>
-                <a:spcPct val="115000"/>
-              </a:lnSpc>
-              <a:spcBef>
-                <a:spcPts val="0"/>
-              </a:spcBef>
-              <a:spcAft>
-                <a:spcPts val="1600"/>
-              </a:spcAft>
-              <a:buSzPts val="1800"/>
-              <a:buNone/>
+            <a:pPr marL="457200" indent="-317500">
+              <a:buSzPts val="1400"/>
+              <a:buFont typeface="Arial"/>
+              <a:buChar char="●"/>
             </a:pPr>
             <a:r>
-              <a:rPr lang="es"/>
-              <a:t>Suma las disminuciones de gini (o mse) para cada variable individual sobre todos los árboles en el bosque.</a:t>
+              <a:rPr lang="es-PE" u="sng" dirty="0">
+                <a:solidFill>
+                  <a:schemeClr val="hlink"/>
+                </a:solidFill>
+                <a:hlinkClick r:id="rId3"/>
+              </a:rPr>
+              <a:t>https://github.com/TheCidRMC/Diplomatura-de-Especializacion-en-Desarrollo-de-Aplicaciones-con-IA</a:t>
             </a:r>
-            <a:endParaRPr/>
+            <a:endParaRPr lang="es" dirty="0"/>
+          </a:p>
+          <a:p>
+            <a:pPr marL="457200" marR="0" lvl="0" indent="-317500" algn="l" rtl="0">
+              <a:lnSpc>
+                <a:spcPct val="100000"/>
+              </a:lnSpc>
+              <a:spcBef>
+                <a:spcPts val="0"/>
+              </a:spcBef>
+              <a:spcAft>
+                <a:spcPts val="0"/>
+              </a:spcAft>
+              <a:buSzPts val="1400"/>
+              <a:buChar char="●"/>
+            </a:pPr>
+            <a:r>
+              <a:rPr lang="es" dirty="0"/>
+              <a:t>StatQuest: Decision Trees - </a:t>
+            </a:r>
+            <a:r>
+              <a:rPr lang="es" dirty="0">
+                <a:uFill>
+                  <a:noFill/>
+                </a:uFill>
+                <a:hlinkClick r:id="rId4"/>
+              </a:rPr>
+              <a:t>https://www.youtube.com/watch?v=7VeUPuFGJH</a:t>
+            </a:r>
+            <a:r>
+              <a:rPr lang="es" dirty="0">
+                <a:uFill>
+                  <a:noFill/>
+                </a:uFill>
+                <a:hlinkClick r:id="rId4"/>
+              </a:rPr>
+              <a:t>k</a:t>
+            </a:r>
+            <a:endParaRPr dirty="0"/>
+          </a:p>
+          <a:p>
+            <a:pPr marL="457200" lvl="0" indent="-317500" algn="l" rtl="0">
+              <a:spcBef>
+                <a:spcPts val="0"/>
+              </a:spcBef>
+              <a:spcAft>
+                <a:spcPts val="0"/>
+              </a:spcAft>
+              <a:buSzPts val="1400"/>
+              <a:buChar char="●"/>
+            </a:pPr>
+            <a:r>
+              <a:rPr lang="es" dirty="0">
+                <a:solidFill>
+                  <a:schemeClr val="dk1"/>
+                </a:solidFill>
+              </a:rPr>
+              <a:t>Decision Trees - </a:t>
+            </a:r>
+            <a:r>
+              <a:rPr lang="es" dirty="0">
+                <a:solidFill>
+                  <a:schemeClr val="dk1"/>
+                </a:solidFill>
+                <a:uFill>
+                  <a:noFill/>
+                </a:uFill>
+                <a:hlinkClick r:id="rId5"/>
+              </a:rPr>
+              <a:t>https://scikit-learn.org/stable/modules/tree.html</a:t>
+            </a:r>
+            <a:endParaRPr dirty="0"/>
+          </a:p>
+          <a:p>
+            <a:pPr marL="457200" lvl="0" indent="-317500" algn="l" rtl="0">
+              <a:spcBef>
+                <a:spcPts val="0"/>
+              </a:spcBef>
+              <a:spcAft>
+                <a:spcPts val="0"/>
+              </a:spcAft>
+              <a:buSzPts val="1400"/>
+              <a:buChar char="●"/>
+            </a:pPr>
+            <a:r>
+              <a:rPr lang="es" dirty="0"/>
+              <a:t>Hands on Machine Learning with Sckit-Learn, Teras &amp; Tensorflow - Aurélien Géron (O’Really)</a:t>
+            </a:r>
+          </a:p>
+          <a:p>
+            <a:pPr marL="457200" lvl="0" indent="-317500" algn="l" rtl="0">
+              <a:spcBef>
+                <a:spcPts val="0"/>
+              </a:spcBef>
+              <a:spcAft>
+                <a:spcPts val="0"/>
+              </a:spcAft>
+              <a:buSzPts val="1400"/>
+              <a:buChar char="●"/>
+            </a:pPr>
+            <a:endParaRPr dirty="0"/>
           </a:p>
         </p:txBody>
       </p:sp>
@@ -34746,7 +34227,7 @@
   <p:cSld>
     <p:spTree>
       <p:nvGrpSpPr>
-        <p:cNvPr id="1" name="Shape 637"/>
+        <p:cNvPr id="1" name="Shape 661"/>
         <p:cNvGrpSpPr/>
         <p:nvPr/>
       </p:nvGrpSpPr>
@@ -34760,7 +34241,7 @@
       </p:grpSpPr>
       <p:sp>
         <p:nvSpPr>
-          <p:cNvPr id="638" name="Google Shape;638;p36"/>
+          <p:cNvPr id="662" name="Google Shape;662;p59"/>
           <p:cNvSpPr txBox="1">
             <a:spLocks noGrp="1"/>
           </p:cNvSpPr>
@@ -34770,8 +34251,8 @@
         </p:nvSpPr>
         <p:spPr>
           <a:xfrm>
-            <a:off x="311700" y="445025"/>
-            <a:ext cx="8520600" cy="572700"/>
+            <a:off x="3128962" y="2153540"/>
+            <a:ext cx="2886075" cy="836419"/>
           </a:xfrm>
           <a:prstGeom prst="rect">
             <a:avLst/>
@@ -34801,100 +34282,10 @@
               <a:buNone/>
             </a:pPr>
             <a:r>
-              <a:rPr lang="es"/>
-              <a:t>Permutation importance</a:t>
+              <a:rPr lang="es" sz="4400" dirty="0"/>
+              <a:t>GRACIAS!</a:t>
             </a:r>
-            <a:endParaRPr/>
-          </a:p>
-        </p:txBody>
-      </p:sp>
-      <p:sp>
-        <p:nvSpPr>
-          <p:cNvPr id="639" name="Google Shape;639;p36"/>
-          <p:cNvSpPr txBox="1">
-            <a:spLocks noGrp="1"/>
-          </p:cNvSpPr>
-          <p:nvPr>
-            <p:ph type="body" idx="1"/>
-          </p:nvPr>
-        </p:nvSpPr>
-        <p:spPr>
-          <a:xfrm>
-            <a:off x="311700" y="1152475"/>
-            <a:ext cx="8520600" cy="3416400"/>
-          </a:xfrm>
-          <a:prstGeom prst="rect">
-            <a:avLst/>
-          </a:prstGeom>
-          <a:noFill/>
-          <a:ln>
-            <a:noFill/>
-          </a:ln>
-        </p:spPr>
-        <p:txBody>
-          <a:bodyPr spcFirstLastPara="1" wrap="square" lIns="91425" tIns="91425" rIns="91425" bIns="91425" anchor="t" anchorCtr="0">
-            <a:noAutofit/>
-          </a:bodyPr>
-          <a:lstStyle/>
-          <a:p>
-            <a:pPr marL="457200" lvl="0" indent="-342900" algn="l" rtl="0">
-              <a:lnSpc>
-                <a:spcPct val="115000"/>
-              </a:lnSpc>
-              <a:spcBef>
-                <a:spcPts val="0"/>
-              </a:spcBef>
-              <a:spcAft>
-                <a:spcPts val="0"/>
-              </a:spcAft>
-              <a:buSzPts val="1800"/>
-              <a:buAutoNum type="arabicPeriod"/>
-            </a:pPr>
-            <a:r>
-              <a:rPr lang="es"/>
-              <a:t>Se obtiene un baseline del score del modelo.</a:t>
-            </a:r>
-            <a:endParaRPr/>
-          </a:p>
-          <a:p>
-            <a:pPr marL="457200" lvl="0" indent="-342900" algn="l" rtl="0">
-              <a:lnSpc>
-                <a:spcPct val="115000"/>
-              </a:lnSpc>
-              <a:spcBef>
-                <a:spcPts val="0"/>
-              </a:spcBef>
-              <a:spcAft>
-                <a:spcPts val="0"/>
-              </a:spcAft>
-              <a:buSzPts val="1800"/>
-              <a:buAutoNum type="arabicPeriod"/>
-            </a:pPr>
-            <a:r>
-              <a:rPr lang="es"/>
-              <a:t>Se permutan los valores de la variable a analizar y se obtiene un score.</a:t>
-            </a:r>
-            <a:endParaRPr/>
-          </a:p>
-          <a:p>
-            <a:pPr marL="457200" lvl="0" indent="-342900" algn="l" rtl="0">
-              <a:lnSpc>
-                <a:spcPct val="115000"/>
-              </a:lnSpc>
-              <a:spcBef>
-                <a:spcPts val="0"/>
-              </a:spcBef>
-              <a:spcAft>
-                <a:spcPts val="0"/>
-              </a:spcAft>
-              <a:buSzPts val="1800"/>
-              <a:buAutoNum type="arabicPeriod"/>
-            </a:pPr>
-            <a:r>
-              <a:rPr lang="es"/>
-              <a:t>La diferencia del score con el baseline nos da una idea de la importancia de la variable</a:t>
-            </a:r>
-            <a:endParaRPr/>
+            <a:endParaRPr sz="4400" dirty="0"/>
           </a:p>
         </p:txBody>
       </p:sp>
@@ -35000,671 +34391,6 @@
           </a:ln>
         </p:spPr>
       </p:pic>
-    </p:spTree>
-  </p:cSld>
-  <p:clrMapOvr>
-    <a:masterClrMapping/>
-  </p:clrMapOvr>
-</p:sld>
-</file>
-
-<file path=ppt/slides/slide40.xml><?xml version="1.0" encoding="utf-8"?>
-<p:sld xmlns:a="http://schemas.openxmlformats.org/drawingml/2006/main" xmlns:r="http://schemas.openxmlformats.org/officeDocument/2006/relationships" xmlns:p="http://schemas.openxmlformats.org/presentationml/2006/main">
-  <p:cSld>
-    <p:spTree>
-      <p:nvGrpSpPr>
-        <p:cNvPr id="1" name="Shape 643"/>
-        <p:cNvGrpSpPr/>
-        <p:nvPr/>
-      </p:nvGrpSpPr>
-      <p:grpSpPr>
-        <a:xfrm>
-          <a:off x="0" y="0"/>
-          <a:ext cx="0" cy="0"/>
-          <a:chOff x="0" y="0"/>
-          <a:chExt cx="0" cy="0"/>
-        </a:xfrm>
-      </p:grpSpPr>
-      <p:sp>
-        <p:nvSpPr>
-          <p:cNvPr id="644" name="Google Shape;644;p37"/>
-          <p:cNvSpPr txBox="1">
-            <a:spLocks noGrp="1"/>
-          </p:cNvSpPr>
-          <p:nvPr>
-            <p:ph type="title"/>
-          </p:nvPr>
-        </p:nvSpPr>
-        <p:spPr>
-          <a:xfrm>
-            <a:off x="311700" y="445025"/>
-            <a:ext cx="8520600" cy="572700"/>
-          </a:xfrm>
-          <a:prstGeom prst="rect">
-            <a:avLst/>
-          </a:prstGeom>
-          <a:noFill/>
-          <a:ln>
-            <a:noFill/>
-          </a:ln>
-        </p:spPr>
-        <p:txBody>
-          <a:bodyPr spcFirstLastPara="1" wrap="square" lIns="91425" tIns="91425" rIns="91425" bIns="91425" anchor="t" anchorCtr="0">
-            <a:noAutofit/>
-          </a:bodyPr>
-          <a:lstStyle/>
-          <a:p>
-            <a:pPr marL="0" lvl="0" indent="0" algn="l" rtl="0">
-              <a:lnSpc>
-                <a:spcPct val="100000"/>
-              </a:lnSpc>
-              <a:spcBef>
-                <a:spcPts val="0"/>
-              </a:spcBef>
-              <a:spcAft>
-                <a:spcPts val="0"/>
-              </a:spcAft>
-              <a:buSzPts val="2800"/>
-              <a:buNone/>
-            </a:pPr>
-            <a:r>
-              <a:rPr lang="es"/>
-              <a:t>Drop-column importance</a:t>
-            </a:r>
-            <a:endParaRPr/>
-          </a:p>
-        </p:txBody>
-      </p:sp>
-      <p:sp>
-        <p:nvSpPr>
-          <p:cNvPr id="645" name="Google Shape;645;p37"/>
-          <p:cNvSpPr txBox="1">
-            <a:spLocks noGrp="1"/>
-          </p:cNvSpPr>
-          <p:nvPr>
-            <p:ph type="body" idx="1"/>
-          </p:nvPr>
-        </p:nvSpPr>
-        <p:spPr>
-          <a:xfrm>
-            <a:off x="311700" y="1152475"/>
-            <a:ext cx="8520600" cy="3416400"/>
-          </a:xfrm>
-          <a:prstGeom prst="rect">
-            <a:avLst/>
-          </a:prstGeom>
-          <a:noFill/>
-          <a:ln>
-            <a:noFill/>
-          </a:ln>
-        </p:spPr>
-        <p:txBody>
-          <a:bodyPr spcFirstLastPara="1" wrap="square" lIns="91425" tIns="91425" rIns="91425" bIns="91425" anchor="t" anchorCtr="0">
-            <a:noAutofit/>
-          </a:bodyPr>
-          <a:lstStyle/>
-          <a:p>
-            <a:pPr marL="457200" lvl="0" indent="-342900" algn="l" rtl="0">
-              <a:lnSpc>
-                <a:spcPct val="115000"/>
-              </a:lnSpc>
-              <a:spcBef>
-                <a:spcPts val="0"/>
-              </a:spcBef>
-              <a:spcAft>
-                <a:spcPts val="0"/>
-              </a:spcAft>
-              <a:buSzPts val="1800"/>
-              <a:buAutoNum type="arabicPeriod"/>
-            </a:pPr>
-            <a:r>
-              <a:rPr lang="es"/>
-              <a:t>Se obtiene un baseline del score del modelo.</a:t>
-            </a:r>
-            <a:endParaRPr/>
-          </a:p>
-          <a:p>
-            <a:pPr marL="457200" lvl="0" indent="-342900" algn="l" rtl="0">
-              <a:lnSpc>
-                <a:spcPct val="115000"/>
-              </a:lnSpc>
-              <a:spcBef>
-                <a:spcPts val="0"/>
-              </a:spcBef>
-              <a:spcAft>
-                <a:spcPts val="0"/>
-              </a:spcAft>
-              <a:buSzPts val="1800"/>
-              <a:buAutoNum type="arabicPeriod"/>
-            </a:pPr>
-            <a:r>
-              <a:rPr lang="es"/>
-              <a:t>Se elimina la variable a analizar, se entrena nuevamente el modelo.</a:t>
-            </a:r>
-            <a:endParaRPr/>
-          </a:p>
-          <a:p>
-            <a:pPr marL="457200" lvl="0" indent="-342900" algn="l" rtl="0">
-              <a:lnSpc>
-                <a:spcPct val="115000"/>
-              </a:lnSpc>
-              <a:spcBef>
-                <a:spcPts val="0"/>
-              </a:spcBef>
-              <a:spcAft>
-                <a:spcPts val="0"/>
-              </a:spcAft>
-              <a:buSzPts val="1800"/>
-              <a:buAutoNum type="arabicPeriod"/>
-            </a:pPr>
-            <a:r>
-              <a:rPr lang="es"/>
-              <a:t>Se obtiene un nuevo score.</a:t>
-            </a:r>
-            <a:endParaRPr/>
-          </a:p>
-          <a:p>
-            <a:pPr marL="457200" lvl="0" indent="-342900" algn="l" rtl="0">
-              <a:lnSpc>
-                <a:spcPct val="115000"/>
-              </a:lnSpc>
-              <a:spcBef>
-                <a:spcPts val="0"/>
-              </a:spcBef>
-              <a:spcAft>
-                <a:spcPts val="0"/>
-              </a:spcAft>
-              <a:buSzPts val="1800"/>
-              <a:buAutoNum type="arabicPeriod"/>
-            </a:pPr>
-            <a:r>
-              <a:rPr lang="es"/>
-              <a:t>La diferencia del score con el baseline nos da una idea de la importancia de la variable</a:t>
-            </a:r>
-            <a:endParaRPr/>
-          </a:p>
-        </p:txBody>
-      </p:sp>
-    </p:spTree>
-  </p:cSld>
-  <p:clrMapOvr>
-    <a:masterClrMapping/>
-  </p:clrMapOvr>
-</p:sld>
-</file>
-
-<file path=ppt/slides/slide41.xml><?xml version="1.0" encoding="utf-8"?>
-<p:sld xmlns:a="http://schemas.openxmlformats.org/drawingml/2006/main" xmlns:r="http://schemas.openxmlformats.org/officeDocument/2006/relationships" xmlns:p="http://schemas.openxmlformats.org/presentationml/2006/main">
-  <p:cSld>
-    <p:spTree>
-      <p:nvGrpSpPr>
-        <p:cNvPr id="1" name="Shape 661"/>
-        <p:cNvGrpSpPr/>
-        <p:nvPr/>
-      </p:nvGrpSpPr>
-      <p:grpSpPr>
-        <a:xfrm>
-          <a:off x="0" y="0"/>
-          <a:ext cx="0" cy="0"/>
-          <a:chOff x="0" y="0"/>
-          <a:chExt cx="0" cy="0"/>
-        </a:xfrm>
-      </p:grpSpPr>
-      <p:sp>
-        <p:nvSpPr>
-          <p:cNvPr id="662" name="Google Shape;662;p59"/>
-          <p:cNvSpPr txBox="1">
-            <a:spLocks noGrp="1"/>
-          </p:cNvSpPr>
-          <p:nvPr>
-            <p:ph type="title"/>
-          </p:nvPr>
-        </p:nvSpPr>
-        <p:spPr>
-          <a:xfrm>
-            <a:off x="2851021" y="2153540"/>
-            <a:ext cx="3441958" cy="836419"/>
-          </a:xfrm>
-          <a:prstGeom prst="rect">
-            <a:avLst/>
-          </a:prstGeom>
-          <a:noFill/>
-          <a:ln>
-            <a:noFill/>
-          </a:ln>
-        </p:spPr>
-        <p:txBody>
-          <a:bodyPr spcFirstLastPara="1" wrap="square" lIns="91425" tIns="91425" rIns="91425" bIns="91425" anchor="t" anchorCtr="0">
-            <a:noAutofit/>
-          </a:bodyPr>
-          <a:lstStyle/>
-          <a:p>
-            <a:pPr marL="0" lvl="0" indent="0" algn="l" rtl="0">
-              <a:lnSpc>
-                <a:spcPct val="100000"/>
-              </a:lnSpc>
-              <a:spcBef>
-                <a:spcPts val="0"/>
-              </a:spcBef>
-              <a:spcAft>
-                <a:spcPts val="0"/>
-              </a:spcAft>
-              <a:buSzPts val="2800"/>
-              <a:buNone/>
-            </a:pPr>
-            <a:r>
-              <a:rPr lang="es" sz="4400" dirty="0"/>
-              <a:t>¿</a:t>
-            </a:r>
-            <a:r>
-              <a:rPr lang="es-PE" sz="4400" dirty="0"/>
-              <a:t>Preguntas?</a:t>
-            </a:r>
-            <a:endParaRPr sz="4400" dirty="0"/>
-          </a:p>
-        </p:txBody>
-      </p:sp>
-    </p:spTree>
-    <p:extLst>
-      <p:ext uri="{BB962C8B-B14F-4D97-AF65-F5344CB8AC3E}">
-        <p14:creationId xmlns:p14="http://schemas.microsoft.com/office/powerpoint/2010/main" val="2556624590"/>
-      </p:ext>
-    </p:extLst>
-  </p:cSld>
-  <p:clrMapOvr>
-    <a:masterClrMapping/>
-  </p:clrMapOvr>
-</p:sld>
-</file>
-
-<file path=ppt/slides/slide42.xml><?xml version="1.0" encoding="utf-8"?>
-<p:sld xmlns:a="http://schemas.openxmlformats.org/drawingml/2006/main" xmlns:r="http://schemas.openxmlformats.org/officeDocument/2006/relationships" xmlns:p="http://schemas.openxmlformats.org/presentationml/2006/main">
-  <p:cSld>
-    <p:spTree>
-      <p:nvGrpSpPr>
-        <p:cNvPr id="1" name="Shape 649"/>
-        <p:cNvGrpSpPr/>
-        <p:nvPr/>
-      </p:nvGrpSpPr>
-      <p:grpSpPr>
-        <a:xfrm>
-          <a:off x="0" y="0"/>
-          <a:ext cx="0" cy="0"/>
-          <a:chOff x="0" y="0"/>
-          <a:chExt cx="0" cy="0"/>
-        </a:xfrm>
-      </p:grpSpPr>
-      <p:sp>
-        <p:nvSpPr>
-          <p:cNvPr id="650" name="Google Shape;650;g5e4a07c9b3_1_128"/>
-          <p:cNvSpPr txBox="1">
-            <a:spLocks noGrp="1"/>
-          </p:cNvSpPr>
-          <p:nvPr>
-            <p:ph type="ctrTitle"/>
-          </p:nvPr>
-        </p:nvSpPr>
-        <p:spPr>
-          <a:xfrm>
-            <a:off x="-1051767" y="866525"/>
-            <a:ext cx="8520600" cy="2052600"/>
-          </a:xfrm>
-          <a:prstGeom prst="rect">
-            <a:avLst/>
-          </a:prstGeom>
-          <a:noFill/>
-          <a:ln>
-            <a:noFill/>
-          </a:ln>
-        </p:spPr>
-        <p:txBody>
-          <a:bodyPr spcFirstLastPara="1" wrap="square" lIns="91425" tIns="91425" rIns="91425" bIns="91425" anchor="b" anchorCtr="0">
-            <a:noAutofit/>
-          </a:bodyPr>
-          <a:lstStyle/>
-          <a:p>
-            <a:pPr marL="0" lvl="0" indent="0" algn="ctr" rtl="0">
-              <a:lnSpc>
-                <a:spcPct val="100000"/>
-              </a:lnSpc>
-              <a:spcBef>
-                <a:spcPts val="0"/>
-              </a:spcBef>
-              <a:spcAft>
-                <a:spcPts val="0"/>
-              </a:spcAft>
-              <a:buSzPts val="5200"/>
-              <a:buNone/>
-            </a:pPr>
-            <a:r>
-              <a:rPr lang="es"/>
-              <a:t>Let’s code</a:t>
-            </a:r>
-            <a:endParaRPr/>
-          </a:p>
-        </p:txBody>
-      </p:sp>
-      <p:pic>
-        <p:nvPicPr>
-          <p:cNvPr id="651" name="Google Shape;651;g5e4a07c9b3_1_128"/>
-          <p:cNvPicPr preferRelativeResize="0"/>
-          <p:nvPr/>
-        </p:nvPicPr>
-        <p:blipFill>
-          <a:blip r:embed="rId3">
-            <a:alphaModFix/>
-          </a:blip>
-          <a:stretch>
-            <a:fillRect/>
-          </a:stretch>
-        </p:blipFill>
-        <p:spPr>
-          <a:xfrm>
-            <a:off x="5526952" y="1488675"/>
-            <a:ext cx="2166125" cy="2166150"/>
-          </a:xfrm>
-          <a:prstGeom prst="rect">
-            <a:avLst/>
-          </a:prstGeom>
-          <a:noFill/>
-          <a:ln>
-            <a:noFill/>
-          </a:ln>
-        </p:spPr>
-      </p:pic>
-    </p:spTree>
-  </p:cSld>
-  <p:clrMapOvr>
-    <a:masterClrMapping/>
-  </p:clrMapOvr>
-</p:sld>
-</file>
-
-<file path=ppt/slides/slide43.xml><?xml version="1.0" encoding="utf-8"?>
-<p:sld xmlns:a="http://schemas.openxmlformats.org/drawingml/2006/main" xmlns:r="http://schemas.openxmlformats.org/officeDocument/2006/relationships" xmlns:p="http://schemas.openxmlformats.org/presentationml/2006/main">
-  <p:cSld>
-    <p:spTree>
-      <p:nvGrpSpPr>
-        <p:cNvPr id="1" name="Shape 655"/>
-        <p:cNvGrpSpPr/>
-        <p:nvPr/>
-      </p:nvGrpSpPr>
-      <p:grpSpPr>
-        <a:xfrm>
-          <a:off x="0" y="0"/>
-          <a:ext cx="0" cy="0"/>
-          <a:chOff x="0" y="0"/>
-          <a:chExt cx="0" cy="0"/>
-        </a:xfrm>
-      </p:grpSpPr>
-      <p:sp>
-        <p:nvSpPr>
-          <p:cNvPr id="656" name="Google Shape;656;p58"/>
-          <p:cNvSpPr txBox="1">
-            <a:spLocks noGrp="1"/>
-          </p:cNvSpPr>
-          <p:nvPr>
-            <p:ph type="title"/>
-          </p:nvPr>
-        </p:nvSpPr>
-        <p:spPr>
-          <a:xfrm>
-            <a:off x="311700" y="445025"/>
-            <a:ext cx="8520600" cy="572700"/>
-          </a:xfrm>
-          <a:prstGeom prst="rect">
-            <a:avLst/>
-          </a:prstGeom>
-          <a:noFill/>
-          <a:ln>
-            <a:noFill/>
-          </a:ln>
-        </p:spPr>
-        <p:txBody>
-          <a:bodyPr spcFirstLastPara="1" wrap="square" lIns="91425" tIns="91425" rIns="91425" bIns="91425" anchor="t" anchorCtr="0">
-            <a:noAutofit/>
-          </a:bodyPr>
-          <a:lstStyle/>
-          <a:p>
-            <a:pPr marL="0" lvl="0" indent="0" algn="l" rtl="0">
-              <a:lnSpc>
-                <a:spcPct val="100000"/>
-              </a:lnSpc>
-              <a:spcBef>
-                <a:spcPts val="0"/>
-              </a:spcBef>
-              <a:spcAft>
-                <a:spcPts val="0"/>
-              </a:spcAft>
-              <a:buSzPts val="2800"/>
-              <a:buNone/>
-            </a:pPr>
-            <a:r>
-              <a:rPr lang="es"/>
-              <a:t>Referencias</a:t>
-            </a:r>
-            <a:endParaRPr/>
-          </a:p>
-        </p:txBody>
-      </p:sp>
-      <p:sp>
-        <p:nvSpPr>
-          <p:cNvPr id="657" name="Google Shape;657;p58"/>
-          <p:cNvSpPr/>
-          <p:nvPr/>
-        </p:nvSpPr>
-        <p:spPr>
-          <a:xfrm>
-            <a:off x="311700" y="1246200"/>
-            <a:ext cx="8722500" cy="1169511"/>
-          </a:xfrm>
-          <a:prstGeom prst="rect">
-            <a:avLst/>
-          </a:prstGeom>
-          <a:noFill/>
-          <a:ln>
-            <a:noFill/>
-          </a:ln>
-        </p:spPr>
-        <p:txBody>
-          <a:bodyPr spcFirstLastPara="1" wrap="square" lIns="91425" tIns="45700" rIns="91425" bIns="45700" anchor="t" anchorCtr="0">
-            <a:spAutoFit/>
-          </a:bodyPr>
-          <a:lstStyle/>
-          <a:p>
-            <a:pPr marL="457200" indent="-317500">
-              <a:buSzPts val="1400"/>
-              <a:buFont typeface="Arial"/>
-              <a:buChar char="●"/>
-            </a:pPr>
-            <a:r>
-              <a:rPr lang="es-PE" u="sng" dirty="0">
-                <a:solidFill>
-                  <a:schemeClr val="hlink"/>
-                </a:solidFill>
-                <a:hlinkClick r:id="rId3"/>
-              </a:rPr>
-              <a:t>https://github.com/TheCidRMC/Diplomatura-de-Especializacion-en-Desarrollo-de-Aplicaciones-con-IA</a:t>
-            </a:r>
-            <a:endParaRPr lang="es" dirty="0"/>
-          </a:p>
-          <a:p>
-            <a:pPr marL="457200" marR="0" lvl="0" indent="-317500" algn="l" rtl="0">
-              <a:lnSpc>
-                <a:spcPct val="100000"/>
-              </a:lnSpc>
-              <a:spcBef>
-                <a:spcPts val="0"/>
-              </a:spcBef>
-              <a:spcAft>
-                <a:spcPts val="0"/>
-              </a:spcAft>
-              <a:buSzPts val="1400"/>
-              <a:buChar char="●"/>
-            </a:pPr>
-            <a:r>
-              <a:rPr lang="es" dirty="0"/>
-              <a:t>StatQuest: Decision Trees - </a:t>
-            </a:r>
-            <a:r>
-              <a:rPr lang="es" dirty="0">
-                <a:uFill>
-                  <a:noFill/>
-                </a:uFill>
-                <a:hlinkClick r:id="rId4"/>
-              </a:rPr>
-              <a:t>https://www.youtube.com/watch?v=7VeUPuFGJH</a:t>
-            </a:r>
-            <a:r>
-              <a:rPr lang="es" dirty="0">
-                <a:uFill>
-                  <a:noFill/>
-                </a:uFill>
-                <a:hlinkClick r:id="rId4"/>
-              </a:rPr>
-              <a:t>k</a:t>
-            </a:r>
-            <a:endParaRPr dirty="0"/>
-          </a:p>
-          <a:p>
-            <a:pPr marL="457200" lvl="0" indent="-317500" algn="l" rtl="0">
-              <a:spcBef>
-                <a:spcPts val="0"/>
-              </a:spcBef>
-              <a:spcAft>
-                <a:spcPts val="0"/>
-              </a:spcAft>
-              <a:buSzPts val="1400"/>
-              <a:buChar char="●"/>
-            </a:pPr>
-            <a:r>
-              <a:rPr lang="es" dirty="0">
-                <a:solidFill>
-                  <a:schemeClr val="dk1"/>
-                </a:solidFill>
-              </a:rPr>
-              <a:t>Decision Trees - </a:t>
-            </a:r>
-            <a:r>
-              <a:rPr lang="es" dirty="0">
-                <a:solidFill>
-                  <a:schemeClr val="dk1"/>
-                </a:solidFill>
-                <a:uFill>
-                  <a:noFill/>
-                </a:uFill>
-                <a:hlinkClick r:id="rId5"/>
-              </a:rPr>
-              <a:t>https://scikit-learn.org/stable/modules/tree.html</a:t>
-            </a:r>
-            <a:endParaRPr dirty="0"/>
-          </a:p>
-          <a:p>
-            <a:pPr marL="457200" lvl="0" indent="-317500" algn="l" rtl="0">
-              <a:spcBef>
-                <a:spcPts val="0"/>
-              </a:spcBef>
-              <a:spcAft>
-                <a:spcPts val="0"/>
-              </a:spcAft>
-              <a:buSzPts val="1400"/>
-              <a:buChar char="●"/>
-            </a:pPr>
-            <a:r>
-              <a:rPr lang="es" dirty="0"/>
-              <a:t>Hands on Machine Learning with Sckit-Learn, Teras &amp; Tensorflow - Aurélien Géron (O’Really)</a:t>
-            </a:r>
-          </a:p>
-          <a:p>
-            <a:pPr marL="457200" lvl="0" indent="-317500" algn="l" rtl="0">
-              <a:spcBef>
-                <a:spcPts val="0"/>
-              </a:spcBef>
-              <a:spcAft>
-                <a:spcPts val="0"/>
-              </a:spcAft>
-              <a:buSzPts val="1400"/>
-              <a:buChar char="●"/>
-            </a:pPr>
-            <a:endParaRPr dirty="0"/>
-          </a:p>
-        </p:txBody>
-      </p:sp>
-    </p:spTree>
-  </p:cSld>
-  <p:clrMapOvr>
-    <a:masterClrMapping/>
-  </p:clrMapOvr>
-</p:sld>
-</file>
-
-<file path=ppt/slides/slide44.xml><?xml version="1.0" encoding="utf-8"?>
-<p:sld xmlns:a="http://schemas.openxmlformats.org/drawingml/2006/main" xmlns:r="http://schemas.openxmlformats.org/officeDocument/2006/relationships" xmlns:p="http://schemas.openxmlformats.org/presentationml/2006/main">
-  <p:cSld>
-    <p:spTree>
-      <p:nvGrpSpPr>
-        <p:cNvPr id="1" name="Shape 661"/>
-        <p:cNvGrpSpPr/>
-        <p:nvPr/>
-      </p:nvGrpSpPr>
-      <p:grpSpPr>
-        <a:xfrm>
-          <a:off x="0" y="0"/>
-          <a:ext cx="0" cy="0"/>
-          <a:chOff x="0" y="0"/>
-          <a:chExt cx="0" cy="0"/>
-        </a:xfrm>
-      </p:grpSpPr>
-      <p:sp>
-        <p:nvSpPr>
-          <p:cNvPr id="662" name="Google Shape;662;p59"/>
-          <p:cNvSpPr txBox="1">
-            <a:spLocks noGrp="1"/>
-          </p:cNvSpPr>
-          <p:nvPr>
-            <p:ph type="title"/>
-          </p:nvPr>
-        </p:nvSpPr>
-        <p:spPr>
-          <a:xfrm>
-            <a:off x="3128962" y="2153540"/>
-            <a:ext cx="2886075" cy="836419"/>
-          </a:xfrm>
-          <a:prstGeom prst="rect">
-            <a:avLst/>
-          </a:prstGeom>
-          <a:noFill/>
-          <a:ln>
-            <a:noFill/>
-          </a:ln>
-        </p:spPr>
-        <p:txBody>
-          <a:bodyPr spcFirstLastPara="1" wrap="square" lIns="91425" tIns="91425" rIns="91425" bIns="91425" anchor="t" anchorCtr="0">
-            <a:noAutofit/>
-          </a:bodyPr>
-          <a:lstStyle/>
-          <a:p>
-            <a:pPr marL="0" lvl="0" indent="0" algn="l" rtl="0">
-              <a:lnSpc>
-                <a:spcPct val="100000"/>
-              </a:lnSpc>
-              <a:spcBef>
-                <a:spcPts val="0"/>
-              </a:spcBef>
-              <a:spcAft>
-                <a:spcPts val="0"/>
-              </a:spcAft>
-              <a:buSzPts val="2800"/>
-              <a:buNone/>
-            </a:pPr>
-            <a:r>
-              <a:rPr lang="es" sz="4400" dirty="0"/>
-              <a:t>GRACIAS!</a:t>
-            </a:r>
-            <a:endParaRPr sz="4400" dirty="0"/>
-          </a:p>
-        </p:txBody>
-      </p:sp>
     </p:spTree>
   </p:cSld>
   <p:clrMapOvr>

--- a/Fundamentos de Machine Learning/2. Árboles de decisión.pptx
+++ b/Fundamentos de Machine Learning/2. Árboles de decisión.pptx
@@ -295,7 +295,7 @@
       </p15:sldGuideLst>
     </p:ext>
     <p:ext uri="http://customooxmlschemas.google.com/">
-      <go:slidesCustomData xmlns:go="http://customooxmlschemas.google.com/" xmlns:p15="http://schemas.microsoft.com/office/powerpoint/2012/main" xmlns:p14="http://schemas.microsoft.com/office/powerpoint/2010/main" xmlns:com="http://schemas.openxmlformats.org/drawingml/2006/compatibility" xmlns:pvml="urn:schemas-microsoft-com:office:powerpoint" xmlns:v="urn:schemas-microsoft-com:vml" xmlns:o="urn:schemas-microsoft-com:office:office" xmlns:dgm="http://schemas.openxmlformats.org/drawingml/2006/diagram" xmlns:c="http://schemas.openxmlformats.org/drawingml/2006/chart" xmlns:mv="urn:schemas-microsoft-com:mac:vml" xmlns:mc="http://schemas.openxmlformats.org/markup-compatibility/2006" xmlns="" r:id="rId49" roundtripDataSignature="AMtx7mhOwjG65VCCl/v4qwULABoIICf2Yg=="/>
+      <go:slidesCustomData xmlns="" xmlns:mc="http://schemas.openxmlformats.org/markup-compatibility/2006" xmlns:mv="urn:schemas-microsoft-com:mac:vml" xmlns:c="http://schemas.openxmlformats.org/drawingml/2006/chart" xmlns:dgm="http://schemas.openxmlformats.org/drawingml/2006/diagram" xmlns:o="urn:schemas-microsoft-com:office:office" xmlns:v="urn:schemas-microsoft-com:vml" xmlns:pvml="urn:schemas-microsoft-com:office:powerpoint" xmlns:com="http://schemas.openxmlformats.org/drawingml/2006/compatibility" xmlns:p14="http://schemas.microsoft.com/office/powerpoint/2010/main" xmlns:p15="http://schemas.microsoft.com/office/powerpoint/2012/main" xmlns:go="http://customooxmlschemas.google.com/" r:id="rId49" roundtripDataSignature="AMtx7mhOwjG65VCCl/v4qwULABoIICf2Yg=="/>
     </p:ext>
   </p:extLst>
 </p:presentation>
@@ -16208,7 +16208,7 @@
         </p:blipFill>
         <p:spPr>
           <a:xfrm>
-            <a:off x="366675" y="624250"/>
+            <a:off x="366675" y="709309"/>
             <a:ext cx="7363674" cy="4239425"/>
           </a:xfrm>
           <a:prstGeom prst="rect">
@@ -16228,7 +16228,7 @@
         </p:nvSpPr>
         <p:spPr>
           <a:xfrm>
-            <a:off x="7056226" y="595275"/>
+            <a:off x="7056226" y="673246"/>
             <a:ext cx="783000" cy="4349700"/>
           </a:xfrm>
           <a:prstGeom prst="rect">
@@ -16288,7 +16288,7 @@
         </p:nvSpPr>
         <p:spPr>
           <a:xfrm>
-            <a:off x="1533019" y="604425"/>
+            <a:off x="1533019" y="682396"/>
             <a:ext cx="5470500" cy="4349700"/>
           </a:xfrm>
           <a:prstGeom prst="rect">
@@ -16348,7 +16348,7 @@
         </p:nvSpPr>
         <p:spPr>
           <a:xfrm>
-            <a:off x="1424142" y="181048"/>
+            <a:off x="1424142" y="358378"/>
             <a:ext cx="2457900" cy="454200"/>
           </a:xfrm>
           <a:prstGeom prst="rect">
@@ -16385,7 +16385,7 @@
             <a:r>
               <a:rPr lang="es" sz="1400" b="1" i="0" u="none" strike="noStrike" cap="none" dirty="0">
                 <a:solidFill>
-                  <a:schemeClr val="bg1"/>
+                  <a:srgbClr val="0070C0"/>
                 </a:solidFill>
                 <a:latin typeface="Arial"/>
                 <a:ea typeface="Arial"/>
@@ -16396,7 +16396,7 @@
             </a:r>
             <a:endParaRPr sz="1400" b="1" i="0" u="none" strike="noStrike" cap="none" dirty="0">
               <a:solidFill>
-                <a:schemeClr val="bg1"/>
+                <a:srgbClr val="0070C0"/>
               </a:solidFill>
               <a:latin typeface="Arial"/>
               <a:ea typeface="Arial"/>
@@ -16414,7 +16414,7 @@
         </p:nvSpPr>
         <p:spPr>
           <a:xfrm>
-            <a:off x="7003520" y="192046"/>
+            <a:off x="6490908" y="358378"/>
             <a:ext cx="2457900" cy="454200"/>
           </a:xfrm>
           <a:prstGeom prst="rect">
@@ -16449,7 +16449,7 @@
               <a:buNone/>
             </a:pPr>
             <a:r>
-              <a:rPr lang="es" sz="1400" b="1" i="0" u="none" strike="noStrike" cap="none">
+              <a:rPr lang="es" b="1" i="0" u="none" strike="noStrike" cap="none" dirty="0">
                 <a:solidFill>
                   <a:srgbClr val="38761D"/>
                 </a:solidFill>
@@ -16460,7 +16460,7 @@
               </a:rPr>
               <a:t>Variable dependiente</a:t>
             </a:r>
-            <a:endParaRPr sz="1400" b="1" i="0" u="none" strike="noStrike" cap="none">
+            <a:endParaRPr b="1" i="0" u="none" strike="noStrike" cap="none" dirty="0">
               <a:solidFill>
                 <a:srgbClr val="38761D"/>
               </a:solidFill>
@@ -16497,9 +16497,81 @@
           <a:chExt cx="0" cy="0"/>
         </a:xfrm>
       </p:grpSpPr>
+      <p:sp>
+        <p:nvSpPr>
+          <p:cNvPr id="257" name="Google Shape;257;p11"/>
+          <p:cNvSpPr txBox="1"/>
+          <p:nvPr/>
+        </p:nvSpPr>
+        <p:spPr>
+          <a:xfrm>
+            <a:off x="1424142" y="341301"/>
+            <a:ext cx="3835800" cy="454200"/>
+          </a:xfrm>
+          <a:prstGeom prst="rect">
+            <a:avLst/>
+          </a:prstGeom>
+          <a:noFill/>
+          <a:ln>
+            <a:noFill/>
+          </a:ln>
+        </p:spPr>
+        <p:txBody>
+          <a:bodyPr spcFirstLastPara="1" wrap="square" lIns="91425" tIns="91425" rIns="91425" bIns="91425" anchor="t" anchorCtr="0">
+            <a:noAutofit/>
+          </a:bodyPr>
+          <a:lstStyle/>
+          <a:p>
+            <a:pPr marL="0" marR="0" lvl="0" indent="0" algn="l" rtl="0">
+              <a:lnSpc>
+                <a:spcPct val="100000"/>
+              </a:lnSpc>
+              <a:spcBef>
+                <a:spcPts val="0"/>
+              </a:spcBef>
+              <a:spcAft>
+                <a:spcPts val="0"/>
+              </a:spcAft>
+              <a:buClr>
+                <a:srgbClr val="000000"/>
+              </a:buClr>
+              <a:buSzPts val="1400"/>
+              <a:buFont typeface="Arial"/>
+              <a:buNone/>
+            </a:pPr>
+            <a:r>
+              <a:rPr lang="es" sz="1400" b="1" i="0" u="none" strike="noStrike" cap="none" dirty="0">
+                <a:solidFill>
+                  <a:srgbClr val="0070C0"/>
+                </a:solidFill>
+                <a:latin typeface="Arial"/>
+                <a:ea typeface="Arial"/>
+                <a:cs typeface="Arial"/>
+                <a:sym typeface="Arial"/>
+              </a:rPr>
+              <a:t>¿Con qué pregunta iniciamos el árbol?</a:t>
+            </a:r>
+            <a:endParaRPr sz="1400" b="1" i="0" u="none" strike="noStrike" cap="none" dirty="0">
+              <a:solidFill>
+                <a:srgbClr val="0070C0"/>
+              </a:solidFill>
+              <a:latin typeface="Arial"/>
+              <a:ea typeface="Arial"/>
+              <a:cs typeface="Arial"/>
+              <a:sym typeface="Arial"/>
+            </a:endParaRPr>
+          </a:p>
+        </p:txBody>
+      </p:sp>
       <p:pic>
         <p:nvPicPr>
-          <p:cNvPr id="254" name="Google Shape;254;p11"/>
+          <p:cNvPr id="6" name="Google Shape;245;p10">
+            <a:extLst>
+              <a:ext uri="{FF2B5EF4-FFF2-40B4-BE49-F238E27FC236}">
+                <a16:creationId xmlns:a16="http://schemas.microsoft.com/office/drawing/2014/main" id="{AA7930BD-A7D9-41FC-A5B0-C60D57AA70C5}"/>
+              </a:ext>
+            </a:extLst>
+          </p:cNvPr>
           <p:cNvPicPr preferRelativeResize="0"/>
           <p:nvPr/>
         </p:nvPicPr>
@@ -16512,7 +16584,7 @@
         </p:blipFill>
         <p:spPr>
           <a:xfrm>
-            <a:off x="366675" y="624250"/>
+            <a:off x="366675" y="709309"/>
             <a:ext cx="7363674" cy="4239425"/>
           </a:xfrm>
           <a:prstGeom prst="rect">
@@ -16526,13 +16598,19 @@
       </p:pic>
       <p:sp>
         <p:nvSpPr>
-          <p:cNvPr id="255" name="Google Shape;255;p11"/>
+          <p:cNvPr id="7" name="Google Shape;246;p10">
+            <a:extLst>
+              <a:ext uri="{FF2B5EF4-FFF2-40B4-BE49-F238E27FC236}">
+                <a16:creationId xmlns:a16="http://schemas.microsoft.com/office/drawing/2014/main" id="{61FCB638-FD4B-44F6-99E8-EB1B225D6F7B}"/>
+              </a:ext>
+            </a:extLst>
+          </p:cNvPr>
           <p:cNvSpPr/>
           <p:nvPr/>
         </p:nvSpPr>
         <p:spPr>
           <a:xfrm>
-            <a:off x="7056226" y="595275"/>
+            <a:off x="7056226" y="673246"/>
             <a:ext cx="783000" cy="4349700"/>
           </a:xfrm>
           <a:prstGeom prst="rect">
@@ -16572,7 +16650,7 @@
               <a:buFont typeface="Arial"/>
               <a:buNone/>
             </a:pPr>
-            <a:endParaRPr sz="1400" b="0" i="0" u="none" strike="noStrike" cap="none">
+            <a:endParaRPr sz="1400" b="0" i="0" u="none" strike="noStrike" cap="none" dirty="0">
               <a:solidFill>
                 <a:srgbClr val="000000"/>
               </a:solidFill>
@@ -16586,13 +16664,19 @@
       </p:sp>
       <p:sp>
         <p:nvSpPr>
-          <p:cNvPr id="256" name="Google Shape;256;p11"/>
+          <p:cNvPr id="8" name="Google Shape;247;p10">
+            <a:extLst>
+              <a:ext uri="{FF2B5EF4-FFF2-40B4-BE49-F238E27FC236}">
+                <a16:creationId xmlns:a16="http://schemas.microsoft.com/office/drawing/2014/main" id="{9D61434F-8E25-437F-A77F-74D77DB3BFD5}"/>
+              </a:ext>
+            </a:extLst>
+          </p:cNvPr>
           <p:cNvSpPr/>
           <p:nvPr/>
         </p:nvSpPr>
         <p:spPr>
           <a:xfrm>
-            <a:off x="1533019" y="604425"/>
+            <a:off x="1533019" y="682396"/>
             <a:ext cx="5470500" cy="4349700"/>
           </a:xfrm>
           <a:prstGeom prst="rect">
@@ -16635,72 +16719,6 @@
             <a:endParaRPr sz="1400" b="0" i="0" u="none" strike="noStrike" cap="none">
               <a:solidFill>
                 <a:srgbClr val="000000"/>
-              </a:solidFill>
-              <a:latin typeface="Arial"/>
-              <a:ea typeface="Arial"/>
-              <a:cs typeface="Arial"/>
-              <a:sym typeface="Arial"/>
-            </a:endParaRPr>
-          </a:p>
-        </p:txBody>
-      </p:sp>
-      <p:sp>
-        <p:nvSpPr>
-          <p:cNvPr id="257" name="Google Shape;257;p11"/>
-          <p:cNvSpPr txBox="1"/>
-          <p:nvPr/>
-        </p:nvSpPr>
-        <p:spPr>
-          <a:xfrm>
-            <a:off x="1436501" y="135738"/>
-            <a:ext cx="3835800" cy="454200"/>
-          </a:xfrm>
-          <a:prstGeom prst="rect">
-            <a:avLst/>
-          </a:prstGeom>
-          <a:noFill/>
-          <a:ln>
-            <a:noFill/>
-          </a:ln>
-        </p:spPr>
-        <p:txBody>
-          <a:bodyPr spcFirstLastPara="1" wrap="square" lIns="91425" tIns="91425" rIns="91425" bIns="91425" anchor="t" anchorCtr="0">
-            <a:noAutofit/>
-          </a:bodyPr>
-          <a:lstStyle/>
-          <a:p>
-            <a:pPr marL="0" marR="0" lvl="0" indent="0" algn="l" rtl="0">
-              <a:lnSpc>
-                <a:spcPct val="100000"/>
-              </a:lnSpc>
-              <a:spcBef>
-                <a:spcPts val="0"/>
-              </a:spcBef>
-              <a:spcAft>
-                <a:spcPts val="0"/>
-              </a:spcAft>
-              <a:buClr>
-                <a:srgbClr val="000000"/>
-              </a:buClr>
-              <a:buSzPts val="1400"/>
-              <a:buFont typeface="Arial"/>
-              <a:buNone/>
-            </a:pPr>
-            <a:r>
-              <a:rPr lang="es" sz="1400" b="1" i="0" u="none" strike="noStrike" cap="none" dirty="0">
-                <a:solidFill>
-                  <a:schemeClr val="bg1"/>
-                </a:solidFill>
-                <a:latin typeface="Arial"/>
-                <a:ea typeface="Arial"/>
-                <a:cs typeface="Arial"/>
-                <a:sym typeface="Arial"/>
-              </a:rPr>
-              <a:t>¿Con qué pregunta iniciamos el árbol?</a:t>
-            </a:r>
-            <a:endParaRPr sz="1400" b="1" i="0" u="none" strike="noStrike" cap="none" dirty="0">
-              <a:solidFill>
-                <a:schemeClr val="bg1"/>
               </a:solidFill>
               <a:latin typeface="Arial"/>
               <a:ea typeface="Arial"/>
@@ -34137,16 +34155,7 @@
                 </a:uFill>
                 <a:hlinkClick r:id="rId4"/>
               </a:rPr>
-              <a:t>https://www.youtube.com/watch?v=7VeUPuFGJH</a:t>
-            </a:r>
-            <a:r>
-              <a:rPr lang="es" dirty="0">
-                <a:uFill>
-                  <a:noFill/>
-                </a:uFill>
-                <a:hlinkClick r:id="rId4"/>
-              </a:rPr>
-              <a:t>k</a:t>
+              <a:t>https://www.youtube.com/watch?v=7VeUPuFGJHk</a:t>
             </a:r>
             <a:endParaRPr dirty="0"/>
           </a:p>

--- a/Fundamentos de Machine Learning/2. Árboles de decisión.pptx
+++ b/Fundamentos de Machine Learning/2. Árboles de decisión.pptx
@@ -295,7 +295,7 @@
       </p15:sldGuideLst>
     </p:ext>
     <p:ext uri="http://customooxmlschemas.google.com/">
-      <go:slidesCustomData xmlns="" xmlns:mc="http://schemas.openxmlformats.org/markup-compatibility/2006" xmlns:mv="urn:schemas-microsoft-com:mac:vml" xmlns:c="http://schemas.openxmlformats.org/drawingml/2006/chart" xmlns:dgm="http://schemas.openxmlformats.org/drawingml/2006/diagram" xmlns:o="urn:schemas-microsoft-com:office:office" xmlns:v="urn:schemas-microsoft-com:vml" xmlns:pvml="urn:schemas-microsoft-com:office:powerpoint" xmlns:com="http://schemas.openxmlformats.org/drawingml/2006/compatibility" xmlns:p14="http://schemas.microsoft.com/office/powerpoint/2010/main" xmlns:p15="http://schemas.microsoft.com/office/powerpoint/2012/main" xmlns:go="http://customooxmlschemas.google.com/" r:id="rId49" roundtripDataSignature="AMtx7mhOwjG65VCCl/v4qwULABoIICf2Yg=="/>
+      <go:slidesCustomData xmlns:go="http://customooxmlschemas.google.com/" xmlns:p15="http://schemas.microsoft.com/office/powerpoint/2012/main" xmlns:p14="http://schemas.microsoft.com/office/powerpoint/2010/main" xmlns:com="http://schemas.openxmlformats.org/drawingml/2006/compatibility" xmlns:pvml="urn:schemas-microsoft-com:office:powerpoint" xmlns:v="urn:schemas-microsoft-com:vml" xmlns:o="urn:schemas-microsoft-com:office:office" xmlns:dgm="http://schemas.openxmlformats.org/drawingml/2006/diagram" xmlns:c="http://schemas.openxmlformats.org/drawingml/2006/chart" xmlns:mv="urn:schemas-microsoft-com:mac:vml" xmlns:mc="http://schemas.openxmlformats.org/markup-compatibility/2006" xmlns="" r:id="rId49" roundtripDataSignature="AMtx7mhOwjG65VCCl/v4qwULABoIICf2Yg=="/>
     </p:ext>
   </p:extLst>
 </p:presentation>
@@ -39816,7 +39816,7 @@
         <p:spPr>
           <a:xfrm>
             <a:off x="364320" y="1282925"/>
-            <a:ext cx="8214900" cy="2677800"/>
+            <a:ext cx="8214900" cy="2246729"/>
           </a:xfrm>
           <a:prstGeom prst="rect">
             <a:avLst/>
@@ -39845,7 +39845,7 @@
               <a:buNone/>
             </a:pPr>
             <a:r>
-              <a:rPr lang="es" sz="1400" b="0" i="0" u="none" strike="noStrike" cap="none">
+              <a:rPr lang="es" sz="1400" b="0" i="0" u="none" strike="noStrike" cap="none" dirty="0">
                 <a:solidFill>
                   <a:srgbClr val="000000"/>
                 </a:solidFill>
@@ -39857,11 +39857,11 @@
               <a:t>Un </a:t>
             </a:r>
             <a:r>
-              <a:rPr lang="es"/>
+              <a:rPr lang="es" dirty="0"/>
               <a:t>á</a:t>
             </a:r>
             <a:r>
-              <a:rPr lang="es" sz="1400" b="0" i="0" u="none" strike="noStrike" cap="none">
+              <a:rPr lang="es" sz="1400" b="0" i="0" u="none" strike="noStrike" cap="none" dirty="0">
                 <a:solidFill>
                   <a:srgbClr val="000000"/>
                 </a:solidFill>
@@ -39873,34 +39873,34 @@
               <a:t>rbol de decisi</a:t>
             </a:r>
             <a:r>
-              <a:rPr lang="es"/>
+              <a:rPr lang="es" dirty="0"/>
               <a:t>ón es un método de aprendizaje </a:t>
             </a:r>
             <a:r>
-              <a:rPr lang="es" b="1"/>
+              <a:rPr lang="es" b="1" dirty="0"/>
               <a:t>supervisado no paramétrico</a:t>
             </a:r>
             <a:r>
-              <a:rPr lang="es"/>
+              <a:rPr lang="es" dirty="0"/>
               <a:t> utilizado para la </a:t>
             </a:r>
             <a:r>
-              <a:rPr lang="es" b="1"/>
+              <a:rPr lang="es" b="1" dirty="0"/>
               <a:t>clasificación </a:t>
             </a:r>
             <a:r>
-              <a:rPr lang="es"/>
+              <a:rPr lang="es" dirty="0"/>
               <a:t>y la </a:t>
             </a:r>
             <a:r>
-              <a:rPr lang="es" b="1"/>
+              <a:rPr lang="es" b="1" dirty="0"/>
               <a:t>regresión</a:t>
             </a:r>
             <a:r>
-              <a:rPr lang="es"/>
+              <a:rPr lang="es" dirty="0"/>
               <a:t>, donde se cumple lo siguiente:</a:t>
             </a:r>
-            <a:endParaRPr sz="1400" b="0" i="0" u="none" strike="noStrike" cap="none">
+            <a:endParaRPr sz="1400" b="0" i="0" u="none" strike="noStrike" cap="none" dirty="0">
               <a:solidFill>
                 <a:srgbClr val="000000"/>
               </a:solidFill>
@@ -39923,7 +39923,7 @@
               </a:spcAft>
               <a:buNone/>
             </a:pPr>
-            <a:endParaRPr/>
+            <a:endParaRPr dirty="0"/>
           </a:p>
           <a:p>
             <a:pPr marL="457200" marR="0" lvl="0" indent="-317500" algn="l" rtl="0">
@@ -39944,18 +39944,18 @@
               <a:buChar char="●"/>
             </a:pPr>
             <a:r>
-              <a:rPr lang="es"/>
+              <a:rPr lang="es" dirty="0"/>
               <a:t>El nodo inicial se le conoce como </a:t>
             </a:r>
             <a:r>
-              <a:rPr lang="es" b="1">
+              <a:rPr lang="es" b="1" dirty="0">
                 <a:solidFill>
                   <a:srgbClr val="FF0000"/>
                 </a:solidFill>
               </a:rPr>
               <a:t>Raíz</a:t>
             </a:r>
-            <a:endParaRPr b="1">
+            <a:endParaRPr b="1" dirty="0">
               <a:solidFill>
                 <a:srgbClr val="FF0000"/>
               </a:solidFill>
@@ -39980,7 +39980,7 @@
               <a:buChar char="●"/>
             </a:pPr>
             <a:r>
-              <a:rPr lang="es" sz="1400" b="0" i="0" u="none" strike="noStrike" cap="none">
+              <a:rPr lang="es" sz="1400" b="0" i="0" u="none" strike="noStrike" cap="none" dirty="0">
                 <a:solidFill>
                   <a:srgbClr val="000000"/>
                 </a:solidFill>
@@ -39992,7 +39992,7 @@
               <a:t>Cada </a:t>
             </a:r>
             <a:r>
-              <a:rPr lang="es" sz="1400" b="1" i="0" u="none" strike="noStrike" cap="none">
+              <a:rPr lang="es" sz="1400" b="1" i="0" u="none" strike="noStrike" cap="none" dirty="0">
                 <a:solidFill>
                   <a:srgbClr val="3C78D8"/>
                 </a:solidFill>
@@ -40000,7 +40000,7 @@
               <a:t>nodo </a:t>
             </a:r>
             <a:r>
-              <a:rPr lang="es" sz="1400" b="0" i="0" u="none" strike="noStrike" cap="none">
+              <a:rPr lang="es" sz="1400" b="0" i="0" u="none" strike="noStrike" cap="none" dirty="0">
                 <a:solidFill>
                   <a:srgbClr val="000000"/>
                 </a:solidFill>
@@ -40012,11 +40012,11 @@
               <a:t>interno (los nodos que no son hojas) es etiquetado con una caracter</a:t>
             </a:r>
             <a:r>
-              <a:rPr lang="es"/>
+              <a:rPr lang="es" dirty="0"/>
               <a:t>í</a:t>
             </a:r>
             <a:r>
-              <a:rPr lang="es" sz="1400" b="0" i="0" u="none" strike="noStrike" cap="none">
+              <a:rPr lang="es" sz="1400" b="0" i="0" u="none" strike="noStrike" cap="none" dirty="0">
                 <a:solidFill>
                   <a:srgbClr val="000000"/>
                 </a:solidFill>
@@ -40027,7 +40027,7 @@
               </a:rPr>
               <a:t>stica</a:t>
             </a:r>
-            <a:endParaRPr sz="1400" b="0" i="0" u="none" strike="noStrike" cap="none">
+            <a:endParaRPr sz="1400" b="0" i="0" u="none" strike="noStrike" cap="none" dirty="0">
               <a:solidFill>
                 <a:srgbClr val="000000"/>
               </a:solidFill>
@@ -40052,7 +40052,7 @@
               <a:buChar char="●"/>
             </a:pPr>
             <a:r>
-              <a:rPr lang="es" sz="1400" b="0" i="0" u="none" strike="noStrike" cap="none">
+              <a:rPr lang="es" sz="1400" b="0" i="0" u="none" strike="noStrike" cap="none" dirty="0">
                 <a:solidFill>
                   <a:srgbClr val="000000"/>
                 </a:solidFill>
@@ -40064,7 +40064,7 @@
               <a:t>Cada </a:t>
             </a:r>
             <a:r>
-              <a:rPr lang="es" sz="1400" i="0" u="none" strike="noStrike" cap="none">
+              <a:rPr lang="es" sz="1400" i="0" u="none" strike="noStrike" cap="none" dirty="0">
                 <a:solidFill>
                   <a:srgbClr val="000000"/>
                 </a:solidFill>
@@ -40072,7 +40072,7 @@
               <a:t>arista </a:t>
             </a:r>
             <a:r>
-              <a:rPr lang="es" sz="1400" b="0" i="0" u="none" strike="noStrike" cap="none">
+              <a:rPr lang="es" sz="1400" b="0" i="0" u="none" strike="noStrike" cap="none" dirty="0">
                 <a:solidFill>
                   <a:srgbClr val="000000"/>
                 </a:solidFill>
@@ -40084,11 +40084,11 @@
               <a:t>que parte de un nodo interno es etiquetada con un literal (una afirmaci</a:t>
             </a:r>
             <a:r>
-              <a:rPr lang="es"/>
+              <a:rPr lang="es" dirty="0"/>
               <a:t>ó</a:t>
             </a:r>
             <a:r>
-              <a:rPr lang="es" sz="1400" b="0" i="0" u="none" strike="noStrike" cap="none">
+              <a:rPr lang="es" sz="1400" b="0" i="0" u="none" strike="noStrike" cap="none" dirty="0">
                 <a:solidFill>
                   <a:srgbClr val="000000"/>
                 </a:solidFill>
@@ -40100,11 +40100,11 @@
               <a:t>n sobre la caracter</a:t>
             </a:r>
             <a:r>
-              <a:rPr lang="es"/>
+              <a:rPr lang="es" dirty="0"/>
               <a:t>í</a:t>
             </a:r>
             <a:r>
-              <a:rPr lang="es" sz="1400" b="0" i="0" u="none" strike="noStrike" cap="none">
+              <a:rPr lang="es" sz="1400" b="0" i="0" u="none" strike="noStrike" cap="none" dirty="0">
                 <a:solidFill>
                   <a:srgbClr val="000000"/>
                 </a:solidFill>
@@ -40115,7 +40115,7 @@
               </a:rPr>
               <a:t>stica correspondiente)</a:t>
             </a:r>
-            <a:endParaRPr/>
+            <a:endParaRPr dirty="0"/>
           </a:p>
           <a:p>
             <a:pPr marL="457200" marR="0" lvl="0" indent="-317500" algn="l" rtl="0">
@@ -40132,11 +40132,11 @@
               <a:buChar char="●"/>
             </a:pPr>
             <a:r>
-              <a:rPr lang="es"/>
+              <a:rPr lang="es" dirty="0"/>
               <a:t>E</a:t>
             </a:r>
             <a:r>
-              <a:rPr lang="es" sz="1400" b="0" i="0" u="none" strike="noStrike" cap="none">
+              <a:rPr lang="es" sz="1400" b="0" i="0" u="none" strike="noStrike" cap="none" dirty="0">
                 <a:solidFill>
                   <a:srgbClr val="000000"/>
                 </a:solidFill>
@@ -40148,11 +40148,11 @@
               <a:t>l conjunto de literales de un nodo se denomina partici</a:t>
             </a:r>
             <a:r>
-              <a:rPr lang="es"/>
+              <a:rPr lang="es" dirty="0"/>
               <a:t>ó</a:t>
             </a:r>
             <a:r>
-              <a:rPr lang="es" sz="1400" b="0" i="0" u="none" strike="noStrike" cap="none">
+              <a:rPr lang="es" sz="1400" b="0" i="0" u="none" strike="noStrike" cap="none" dirty="0">
                 <a:solidFill>
                   <a:srgbClr val="000000"/>
                 </a:solidFill>
@@ -40163,7 +40163,7 @@
               </a:rPr>
               <a:t>n (split)</a:t>
             </a:r>
-            <a:endParaRPr sz="1400" b="0" i="0" u="none" strike="noStrike" cap="none">
+            <a:endParaRPr sz="1400" b="0" i="0" u="none" strike="noStrike" cap="none" dirty="0">
               <a:solidFill>
                 <a:srgbClr val="000000"/>
               </a:solidFill>
@@ -40188,7 +40188,7 @@
               <a:buChar char="●"/>
             </a:pPr>
             <a:r>
-              <a:rPr lang="es" sz="1400" b="0" i="0" u="none" strike="noStrike" cap="none">
+              <a:rPr lang="es" sz="1400" b="0" i="0" u="none" strike="noStrike" cap="none" dirty="0">
                 <a:solidFill>
                   <a:srgbClr val="000000"/>
                 </a:solidFill>
@@ -40200,7 +40200,7 @@
               <a:t>Cada </a:t>
             </a:r>
             <a:r>
-              <a:rPr lang="es" sz="1400" b="1" i="0" u="none" strike="noStrike" cap="none">
+              <a:rPr lang="es" sz="1400" b="1" i="0" u="none" strike="noStrike" cap="none" dirty="0">
                 <a:solidFill>
                   <a:srgbClr val="6AA84F"/>
                 </a:solidFill>
@@ -40208,7 +40208,7 @@
               <a:t>hoja </a:t>
             </a:r>
             <a:r>
-              <a:rPr lang="es" sz="1400" b="0" i="0" u="none" strike="noStrike" cap="none">
+              <a:rPr lang="es" sz="1400" b="0" i="0" u="none" strike="noStrike" cap="none" dirty="0">
                 <a:solidFill>
                   <a:srgbClr val="000000"/>
                 </a:solidFill>
@@ -40220,11 +40220,11 @@
               <a:t>del </a:t>
             </a:r>
             <a:r>
-              <a:rPr lang="es"/>
+              <a:rPr lang="es" dirty="0"/>
               <a:t>á</a:t>
             </a:r>
             <a:r>
-              <a:rPr lang="es" sz="1400" b="0" i="0" u="none" strike="noStrike" cap="none">
+              <a:rPr lang="es" sz="1400" b="0" i="0" u="none" strike="noStrike" cap="none" dirty="0">
                 <a:solidFill>
                   <a:srgbClr val="000000"/>
                 </a:solidFill>
@@ -40236,11 +40236,11 @@
               <a:t>rbol representa una expresi</a:t>
             </a:r>
             <a:r>
-              <a:rPr lang="es"/>
+              <a:rPr lang="es" dirty="0"/>
               <a:t>ó</a:t>
             </a:r>
             <a:r>
-              <a:rPr lang="es" sz="1400" b="0" i="0" u="none" strike="noStrike" cap="none">
+              <a:rPr lang="es" sz="1400" b="0" i="0" u="none" strike="noStrike" cap="none" dirty="0">
                 <a:solidFill>
                   <a:srgbClr val="000000"/>
                 </a:solidFill>
@@ -40252,11 +40252,11 @@
               <a:t>n l</a:t>
             </a:r>
             <a:r>
-              <a:rPr lang="es"/>
+              <a:rPr lang="es" dirty="0"/>
               <a:t>ó</a:t>
             </a:r>
             <a:r>
-              <a:rPr lang="es" sz="1400" b="0" i="0" u="none" strike="noStrike" cap="none">
+              <a:rPr lang="es" sz="1400" b="0" i="0" u="none" strike="noStrike" cap="none" dirty="0">
                 <a:solidFill>
                   <a:srgbClr val="000000"/>
                 </a:solidFill>
@@ -40268,11 +40268,11 @@
               <a:t>gica, que es la conjunci</a:t>
             </a:r>
             <a:r>
-              <a:rPr lang="es"/>
+              <a:rPr lang="es" dirty="0"/>
               <a:t>ó</a:t>
             </a:r>
             <a:r>
-              <a:rPr lang="es" sz="1400" b="0" i="0" u="none" strike="noStrike" cap="none">
+              <a:rPr lang="es" sz="1400" b="0" i="0" u="none" strike="noStrike" cap="none" dirty="0">
                 <a:solidFill>
                   <a:srgbClr val="000000"/>
                 </a:solidFill>
@@ -40284,11 +40284,11 @@
               <a:t>n de los literales encontrados en la ruta desde la ra</a:t>
             </a:r>
             <a:r>
-              <a:rPr lang="es"/>
+              <a:rPr lang="es" dirty="0"/>
               <a:t>í</a:t>
             </a:r>
             <a:r>
-              <a:rPr lang="es" sz="1400" b="0" i="0" u="none" strike="noStrike" cap="none">
+              <a:rPr lang="es" sz="1400" b="0" i="0" u="none" strike="noStrike" cap="none" dirty="0">
                 <a:solidFill>
                   <a:srgbClr val="000000"/>
                 </a:solidFill>
@@ -40300,11 +40300,11 @@
               <a:t>z del </a:t>
             </a:r>
             <a:r>
-              <a:rPr lang="es"/>
+              <a:rPr lang="es" dirty="0"/>
               <a:t>á</a:t>
             </a:r>
             <a:r>
-              <a:rPr lang="es" sz="1400" b="0" i="0" u="none" strike="noStrike" cap="none">
+              <a:rPr lang="es" sz="1400" b="0" i="0" u="none" strike="noStrike" cap="none" dirty="0">
                 <a:solidFill>
                   <a:srgbClr val="000000"/>
                 </a:solidFill>
@@ -40313,9 +40313,21 @@
                 <a:cs typeface="Arial"/>
                 <a:sym typeface="Arial"/>
               </a:rPr>
-              <a:t>rbol hasta dicha hoja</a:t>
+              <a:t>rbol hasta </a:t>
             </a:r>
-            <a:endParaRPr sz="1400" b="0" i="0" u="none" strike="noStrike" cap="none">
+            <a:r>
+              <a:rPr lang="es" sz="1400" b="0" i="0" u="none" strike="noStrike" cap="none">
+                <a:solidFill>
+                  <a:srgbClr val="000000"/>
+                </a:solidFill>
+                <a:latin typeface="Arial"/>
+                <a:ea typeface="Arial"/>
+                <a:cs typeface="Arial"/>
+                <a:sym typeface="Arial"/>
+              </a:rPr>
+              <a:t>dicha hoja</a:t>
+            </a:r>
+            <a:endParaRPr sz="1400" b="0" i="0" u="none" strike="noStrike" cap="none" dirty="0">
               <a:solidFill>
                 <a:srgbClr val="000000"/>
               </a:solidFill>
@@ -40324,66 +40336,6 @@
               <a:cs typeface="Arial"/>
               <a:sym typeface="Arial"/>
             </a:endParaRPr>
-          </a:p>
-          <a:p>
-            <a:pPr marL="457200" marR="0" lvl="0" indent="-317500" algn="l" rtl="0">
-              <a:lnSpc>
-                <a:spcPct val="100000"/>
-              </a:lnSpc>
-              <a:spcBef>
-                <a:spcPts val="0"/>
-              </a:spcBef>
-              <a:spcAft>
-                <a:spcPts val="0"/>
-              </a:spcAft>
-              <a:buSzPts val="1400"/>
-              <a:buChar char="●"/>
-            </a:pPr>
-            <a:r>
-              <a:rPr lang="es" sz="1400" b="0" i="0" u="none" strike="noStrike" cap="none">
-                <a:solidFill>
-                  <a:srgbClr val="000000"/>
-                </a:solidFill>
-                <a:latin typeface="Arial"/>
-                <a:ea typeface="Arial"/>
-                <a:cs typeface="Arial"/>
-                <a:sym typeface="Arial"/>
-              </a:rPr>
-              <a:t>La extensi</a:t>
-            </a:r>
-            <a:r>
-              <a:rPr lang="es"/>
-              <a:t>ó</a:t>
-            </a:r>
-            <a:r>
-              <a:rPr lang="es" sz="1400" b="0" i="0" u="none" strike="noStrike" cap="none">
-                <a:solidFill>
-                  <a:srgbClr val="000000"/>
-                </a:solidFill>
-                <a:latin typeface="Arial"/>
-                <a:ea typeface="Arial"/>
-                <a:cs typeface="Arial"/>
-                <a:sym typeface="Arial"/>
-              </a:rPr>
-              <a:t>n de dicha conjunci</a:t>
-            </a:r>
-            <a:r>
-              <a:rPr lang="es"/>
-              <a:t>ó</a:t>
-            </a:r>
-            <a:r>
-              <a:rPr lang="es" sz="1400" b="0" i="0" u="none" strike="noStrike" cap="none">
-                <a:solidFill>
-                  <a:srgbClr val="000000"/>
-                </a:solidFill>
-                <a:latin typeface="Arial"/>
-                <a:ea typeface="Arial"/>
-                <a:cs typeface="Arial"/>
-                <a:sym typeface="Arial"/>
-              </a:rPr>
-              <a:t>n (el conjunto de instancias que cubre) es el segmento del espacio de instancias asociado a la hoja</a:t>
-            </a:r>
-            <a:endParaRPr/>
           </a:p>
         </p:txBody>
       </p:sp>

--- a/Fundamentos de Machine Learning/2. Árboles de decisión.pptx
+++ b/Fundamentos de Machine Learning/2. Árboles de decisión.pptx
@@ -32697,7 +32697,7 @@
         <p:spPr>
           <a:xfrm>
             <a:off x="311700" y="1237864"/>
-            <a:ext cx="8139356" cy="1754326"/>
+            <a:ext cx="8139356" cy="1477287"/>
           </a:xfrm>
           <a:prstGeom prst="rect">
             <a:avLst/>
@@ -32806,39 +32806,7 @@
               </a:rPr>
               <a:t>Limitar la profundidad del árbol</a:t>
             </a:r>
-            <a:endParaRPr dirty="0"/>
-          </a:p>
-          <a:p>
-            <a:pPr marL="285750" marR="0" lvl="0" indent="-285750" algn="l" rtl="0">
-              <a:lnSpc>
-                <a:spcPct val="100000"/>
-              </a:lnSpc>
-              <a:spcBef>
-                <a:spcPts val="0"/>
-              </a:spcBef>
-              <a:spcAft>
-                <a:spcPts val="0"/>
-              </a:spcAft>
-              <a:buClr>
-                <a:srgbClr val="000000"/>
-              </a:buClr>
-              <a:buSzPts val="1800"/>
-              <a:buFont typeface="Arial"/>
-              <a:buChar char="•"/>
-            </a:pPr>
-            <a:r>
-              <a:rPr lang="es" sz="1800" b="0" i="0" u="none" strike="noStrike" cap="none" dirty="0">
-                <a:solidFill>
-                  <a:schemeClr val="dk2"/>
-                </a:solidFill>
-                <a:latin typeface="Arial"/>
-                <a:ea typeface="Arial"/>
-                <a:cs typeface="Arial"/>
-                <a:sym typeface="Arial"/>
-              </a:rPr>
-              <a:t>Exigir una mejora mínima en la medida de calidad </a:t>
-            </a:r>
-            <a:endParaRPr dirty="0"/>
+            <a:endParaRPr lang="es" dirty="0"/>
           </a:p>
           <a:p>
             <a:pPr marL="285750" marR="0" lvl="0" indent="-285750" algn="l" rtl="0">
@@ -32981,7 +32949,7 @@
         </p:blipFill>
         <p:spPr>
           <a:xfrm>
-            <a:off x="1948333" y="2992190"/>
+            <a:off x="1948333" y="2864600"/>
             <a:ext cx="5481693" cy="1953080"/>
           </a:xfrm>
           <a:prstGeom prst="rect">
@@ -40313,19 +40281,7 @@
                 <a:cs typeface="Arial"/>
                 <a:sym typeface="Arial"/>
               </a:rPr>
-              <a:t>rbol hasta </a:t>
-            </a:r>
-            <a:r>
-              <a:rPr lang="es" sz="1400" b="0" i="0" u="none" strike="noStrike" cap="none">
-                <a:solidFill>
-                  <a:srgbClr val="000000"/>
-                </a:solidFill>
-                <a:latin typeface="Arial"/>
-                <a:ea typeface="Arial"/>
-                <a:cs typeface="Arial"/>
-                <a:sym typeface="Arial"/>
-              </a:rPr>
-              <a:t>dicha hoja</a:t>
+              <a:t>rbol hasta dicha hoja</a:t>
             </a:r>
             <a:endParaRPr sz="1400" b="0" i="0" u="none" strike="noStrike" cap="none" dirty="0">
               <a:solidFill>
